--- a/Presentation.pptx
+++ b/Presentation.pptx
@@ -5,27 +5,26 @@
     <p:sldMasterId id="2147483648" r:id="rId4"/>
   </p:sldMasterIdLst>
   <p:notesMasterIdLst>
-    <p:notesMasterId r:id="rId20"/>
+    <p:notesMasterId r:id="rId19"/>
   </p:notesMasterIdLst>
   <p:handoutMasterIdLst>
-    <p:handoutMasterId r:id="rId21"/>
+    <p:handoutMasterId r:id="rId20"/>
   </p:handoutMasterIdLst>
   <p:sldIdLst>
     <p:sldId id="256" r:id="rId5"/>
     <p:sldId id="257" r:id="rId6"/>
-    <p:sldId id="258" r:id="rId7"/>
-    <p:sldId id="262" r:id="rId8"/>
-    <p:sldId id="260" r:id="rId9"/>
-    <p:sldId id="261" r:id="rId10"/>
-    <p:sldId id="268" r:id="rId11"/>
+    <p:sldId id="262" r:id="rId7"/>
+    <p:sldId id="260" r:id="rId8"/>
+    <p:sldId id="261" r:id="rId9"/>
+    <p:sldId id="268" r:id="rId10"/>
+    <p:sldId id="259" r:id="rId11"/>
     <p:sldId id="271" r:id="rId12"/>
     <p:sldId id="269" r:id="rId13"/>
     <p:sldId id="265" r:id="rId14"/>
     <p:sldId id="264" r:id="rId15"/>
     <p:sldId id="263" r:id="rId16"/>
     <p:sldId id="270" r:id="rId17"/>
-    <p:sldId id="259" r:id="rId18"/>
-    <p:sldId id="266" r:id="rId19"/>
+    <p:sldId id="266" r:id="rId18"/>
   </p:sldIdLst>
   <p:sldSz cx="12192000" cy="6858000"/>
   <p:notesSz cx="6858000" cy="9144000"/>
@@ -246,19 +245,19 @@
               <c:strCache>
                 <c:ptCount val="5"/>
                 <c:pt idx="0">
-                  <c:v>Document 1</c:v>
+                  <c:v>Port of Galveston</c:v>
                 </c:pt>
                 <c:pt idx="1">
-                  <c:v>Document 2</c:v>
+                  <c:v>City Gymnasium</c:v>
                 </c:pt>
                 <c:pt idx="2">
-                  <c:v>Document 3</c:v>
+                  <c:v>Harriet Forten Purvis</c:v>
                 </c:pt>
                 <c:pt idx="3">
-                  <c:v>Document 4</c:v>
+                  <c:v>Ad Melkert</c:v>
                 </c:pt>
                 <c:pt idx="4">
-                  <c:v>Document 5</c:v>
+                  <c:v>Todd Haley</c:v>
                 </c:pt>
               </c:strCache>
             </c:strRef>
@@ -325,19 +324,19 @@
               <c:strCache>
                 <c:ptCount val="5"/>
                 <c:pt idx="0">
-                  <c:v>Document 1</c:v>
+                  <c:v>Port of Galveston</c:v>
                 </c:pt>
                 <c:pt idx="1">
-                  <c:v>Document 2</c:v>
+                  <c:v>City Gymnasium</c:v>
                 </c:pt>
                 <c:pt idx="2">
-                  <c:v>Document 3</c:v>
+                  <c:v>Harriet Forten Purvis</c:v>
                 </c:pt>
                 <c:pt idx="3">
-                  <c:v>Document 4</c:v>
+                  <c:v>Ad Melkert</c:v>
                 </c:pt>
                 <c:pt idx="4">
-                  <c:v>Document 5</c:v>
+                  <c:v>Todd Haley</c:v>
                 </c:pt>
               </c:strCache>
             </c:strRef>
@@ -440,8 +439,9 @@
         <c:axId val="228998687"/>
         <c:scaling>
           <c:orientation val="minMax"/>
+          <c:max val="1"/>
         </c:scaling>
-        <c:delete val="0"/>
+        <c:delete val="1"/>
         <c:axPos val="l"/>
         <c:majorGridlines>
           <c:spPr>
@@ -461,33 +461,6 @@
         <c:majorTickMark val="none"/>
         <c:minorTickMark val="none"/>
         <c:tickLblPos val="nextTo"/>
-        <c:spPr>
-          <a:noFill/>
-          <a:ln>
-            <a:noFill/>
-          </a:ln>
-          <a:effectLst/>
-        </c:spPr>
-        <c:txPr>
-          <a:bodyPr rot="-60000000" spcFirstLastPara="1" vertOverflow="ellipsis" vert="horz" wrap="square" anchor="ctr" anchorCtr="1"/>
-          <a:lstStyle/>
-          <a:p>
-            <a:pPr>
-              <a:defRPr sz="1197" b="0" i="0" u="none" strike="noStrike" kern="1200" baseline="0">
-                <a:solidFill>
-                  <a:schemeClr val="tx1">
-                    <a:lumMod val="65000"/>
-                    <a:lumOff val="35000"/>
-                  </a:schemeClr>
-                </a:solidFill>
-                <a:latin typeface="+mn-lt"/>
-                <a:ea typeface="+mn-ea"/>
-                <a:cs typeface="+mn-cs"/>
-              </a:defRPr>
-            </a:pPr>
-            <a:endParaRPr lang="en-US"/>
-          </a:p>
-        </c:txPr>
         <c:crossAx val="229001183"/>
         <c:crosses val="autoZero"/>
         <c:crossBetween val="between"/>
@@ -500,37 +473,6 @@
         <a:effectLst/>
       </c:spPr>
     </c:plotArea>
-    <c:legend>
-      <c:legendPos val="b"/>
-      <c:overlay val="0"/>
-      <c:spPr>
-        <a:noFill/>
-        <a:ln>
-          <a:noFill/>
-        </a:ln>
-        <a:effectLst/>
-      </c:spPr>
-      <c:txPr>
-        <a:bodyPr rot="0" spcFirstLastPara="1" vertOverflow="ellipsis" vert="horz" wrap="square" anchor="ctr" anchorCtr="1"/>
-        <a:lstStyle/>
-        <a:p>
-          <a:pPr>
-            <a:defRPr sz="1197" b="0" i="0" u="none" strike="noStrike" kern="1200" baseline="0">
-              <a:solidFill>
-                <a:schemeClr val="tx1">
-                  <a:lumMod val="65000"/>
-                  <a:lumOff val="35000"/>
-                </a:schemeClr>
-              </a:solidFill>
-              <a:latin typeface="+mn-lt"/>
-              <a:ea typeface="+mn-ea"/>
-              <a:cs typeface="+mn-cs"/>
-            </a:defRPr>
-          </a:pPr>
-          <a:endParaRPr lang="en-US"/>
-        </a:p>
-      </c:txPr>
-    </c:legend>
     <c:plotVisOnly val="1"/>
     <c:dispBlanksAs val="gap"/>
     <c:extLst>
@@ -14057,15 +13999,10 @@
             <a:spLocks noGrp="1"/>
           </p:cNvSpPr>
           <p:nvPr>
-            <p:ph type="ctrTitle"/>
-          </p:nvPr>
-        </p:nvSpPr>
-        <p:spPr>
-          <a:xfrm>
-            <a:off x="5287618" y="4342074"/>
-            <a:ext cx="6428002" cy="1122202"/>
-          </a:xfrm>
-        </p:spPr>
+            <p:ph type="title"/>
+          </p:nvPr>
+        </p:nvSpPr>
+        <p:spPr/>
         <p:txBody>
           <a:bodyPr/>
           <a:lstStyle/>
@@ -14090,15 +14027,10 @@
             <a:spLocks noGrp="1"/>
           </p:cNvSpPr>
           <p:nvPr>
-            <p:ph type="subTitle" idx="1"/>
-          </p:nvPr>
-        </p:nvSpPr>
-        <p:spPr>
-          <a:xfrm>
-            <a:off x="5287618" y="5586890"/>
-            <a:ext cx="6070193" cy="840414"/>
-          </a:xfrm>
-        </p:spPr>
+            <p:ph idx="1"/>
+          </p:nvPr>
+        </p:nvSpPr>
+        <p:spPr/>
         <p:txBody>
           <a:bodyPr>
             <a:normAutofit/>
@@ -16089,7 +16021,7 @@
           <p:cNvPr id="2" name="Title 1">
             <a:extLst>
               <a:ext uri="{FF2B5EF4-FFF2-40B4-BE49-F238E27FC236}">
-                <a16:creationId xmlns:a16="http://schemas.microsoft.com/office/drawing/2014/main" id="{FA93DB88-62DD-4C41-977F-D59BEF14EE76}"/>
+                <a16:creationId xmlns:a16="http://schemas.microsoft.com/office/drawing/2014/main" id="{4518FC28-E0BD-4387-B8BE-9965D1A57FF1}"/>
               </a:ext>
             </a:extLst>
           </p:cNvPr>
@@ -16102,8 +16034,8 @@
         </p:nvSpPr>
         <p:spPr>
           <a:xfrm>
-            <a:off x="838200" y="5509419"/>
-            <a:ext cx="4082142" cy="585788"/>
+            <a:off x="5476875" y="1671639"/>
+            <a:ext cx="5111750" cy="1204912"/>
           </a:xfrm>
         </p:spPr>
         <p:txBody>
@@ -16112,7 +16044,7 @@
           <a:p>
             <a:r>
               <a:rPr lang="en-US" dirty="0"/>
-              <a:t>TIMELINE</a:t>
+              <a:t>SUMMARY</a:t>
             </a:r>
           </a:p>
         </p:txBody>
@@ -16122,7 +16054,7 @@
           <p:cNvPr id="3" name="Text Placeholder 2">
             <a:extLst>
               <a:ext uri="{FF2B5EF4-FFF2-40B4-BE49-F238E27FC236}">
-                <a16:creationId xmlns:a16="http://schemas.microsoft.com/office/drawing/2014/main" id="{AEF37E83-2D8B-42EF-A2C4-5D2BBDB1F05B}"/>
+                <a16:creationId xmlns:a16="http://schemas.microsoft.com/office/drawing/2014/main" id="{FED19BCA-B61F-4EA6-A1FB-CCA3BD8506FB}"/>
               </a:ext>
             </a:extLst>
           </p:cNvPr>
@@ -16130,145 +16062,13 @@
             <a:spLocks noGrp="1"/>
           </p:cNvSpPr>
           <p:nvPr>
-            <p:ph type="body" sz="quarter" idx="13"/>
-          </p:nvPr>
-        </p:nvSpPr>
-        <p:spPr>
-          <a:xfrm>
-            <a:off x="166074" y="1507772"/>
-            <a:ext cx="2141764" cy="514350"/>
-          </a:xfrm>
-        </p:spPr>
-        <p:txBody>
-          <a:bodyPr/>
-          <a:lstStyle/>
-          <a:p>
-            <a:r>
-              <a:rPr lang="en-US" dirty="0"/>
-              <a:t>Q1</a:t>
-            </a:r>
-          </a:p>
-        </p:txBody>
-      </p:sp>
-      <p:sp>
-        <p:nvSpPr>
-          <p:cNvPr id="4" name="Text Placeholder 3">
-            <a:extLst>
-              <a:ext uri="{FF2B5EF4-FFF2-40B4-BE49-F238E27FC236}">
-                <a16:creationId xmlns:a16="http://schemas.microsoft.com/office/drawing/2014/main" id="{B0D77839-2CFD-4BC8-85DA-9EE69CCE1B20}"/>
-              </a:ext>
-            </a:extLst>
-          </p:cNvPr>
-          <p:cNvSpPr>
-            <a:spLocks noGrp="1"/>
-          </p:cNvSpPr>
-          <p:nvPr>
-            <p:ph type="body" sz="quarter" idx="14"/>
-          </p:nvPr>
-        </p:nvSpPr>
-        <p:spPr>
-          <a:xfrm>
-            <a:off x="732131" y="2584097"/>
-            <a:ext cx="2141764" cy="514350"/>
-          </a:xfrm>
-        </p:spPr>
-        <p:txBody>
-          <a:bodyPr/>
-          <a:lstStyle/>
-          <a:p>
-            <a:r>
-              <a:rPr lang="en-US" dirty="0"/>
-              <a:t>Q2</a:t>
-            </a:r>
-          </a:p>
-        </p:txBody>
-      </p:sp>
-      <p:sp>
-        <p:nvSpPr>
-          <p:cNvPr id="5" name="Text Placeholder 4">
-            <a:extLst>
-              <a:ext uri="{FF2B5EF4-FFF2-40B4-BE49-F238E27FC236}">
-                <a16:creationId xmlns:a16="http://schemas.microsoft.com/office/drawing/2014/main" id="{57E386FF-C90F-4484-A843-D4BA75FFF002}"/>
-              </a:ext>
-            </a:extLst>
-          </p:cNvPr>
-          <p:cNvSpPr>
-            <a:spLocks noGrp="1"/>
-          </p:cNvSpPr>
-          <p:nvPr>
-            <p:ph type="body" sz="quarter" idx="15"/>
-          </p:nvPr>
-        </p:nvSpPr>
-        <p:spPr>
-          <a:xfrm>
-            <a:off x="1338556" y="3660422"/>
-            <a:ext cx="2141764" cy="514350"/>
-          </a:xfrm>
-        </p:spPr>
-        <p:txBody>
-          <a:bodyPr/>
-          <a:lstStyle/>
-          <a:p>
-            <a:r>
-              <a:rPr lang="en-US" dirty="0"/>
-              <a:t>Q3</a:t>
-            </a:r>
-          </a:p>
-        </p:txBody>
-      </p:sp>
-      <p:sp>
-        <p:nvSpPr>
-          <p:cNvPr id="6" name="Text Placeholder 5">
-            <a:extLst>
-              <a:ext uri="{FF2B5EF4-FFF2-40B4-BE49-F238E27FC236}">
-                <a16:creationId xmlns:a16="http://schemas.microsoft.com/office/drawing/2014/main" id="{F30780D1-5C1B-411C-81ED-7B9970FCBF8A}"/>
-              </a:ext>
-            </a:extLst>
-          </p:cNvPr>
-          <p:cNvSpPr>
-            <a:spLocks noGrp="1"/>
-          </p:cNvSpPr>
-          <p:nvPr>
-            <p:ph type="body" sz="quarter" idx="16"/>
-          </p:nvPr>
-        </p:nvSpPr>
-        <p:spPr>
-          <a:xfrm>
-            <a:off x="1922756" y="4736748"/>
-            <a:ext cx="2141764" cy="514350"/>
-          </a:xfrm>
-        </p:spPr>
-        <p:txBody>
-          <a:bodyPr/>
-          <a:lstStyle/>
-          <a:p>
-            <a:r>
-              <a:rPr lang="en-US" dirty="0"/>
-              <a:t>Q4</a:t>
-            </a:r>
-          </a:p>
-        </p:txBody>
-      </p:sp>
-      <p:sp>
-        <p:nvSpPr>
-          <p:cNvPr id="12" name="Text Placeholder 11">
-            <a:extLst>
-              <a:ext uri="{FF2B5EF4-FFF2-40B4-BE49-F238E27FC236}">
-                <a16:creationId xmlns:a16="http://schemas.microsoft.com/office/drawing/2014/main" id="{FABE7D8B-D1CD-44C0-AD2D-2ABA67684E97}"/>
-              </a:ext>
-            </a:extLst>
-          </p:cNvPr>
-          <p:cNvSpPr>
-            <a:spLocks noGrp="1"/>
-          </p:cNvSpPr>
-          <p:nvPr>
-            <p:ph type="body" sz="quarter" idx="17"/>
-          </p:nvPr>
-        </p:nvSpPr>
-        <p:spPr>
-          <a:xfrm>
-            <a:off x="4401536" y="1613528"/>
-            <a:ext cx="5102680" cy="1010842"/>
+            <p:ph type="body" idx="1"/>
+          </p:nvPr>
+        </p:nvSpPr>
+        <p:spPr>
+          <a:xfrm>
+            <a:off x="5476875" y="3660774"/>
+            <a:ext cx="5111750" cy="1525588"/>
           </a:xfrm>
         </p:spPr>
         <p:txBody>
@@ -16279,122 +16079,17 @@
           <a:p>
             <a:r>
               <a:rPr lang="en-US" dirty="0"/>
-              <a:t>Synergize scalable e-commerce</a:t>
-            </a:r>
-          </a:p>
-        </p:txBody>
-      </p:sp>
-      <p:sp>
-        <p:nvSpPr>
-          <p:cNvPr id="13" name="Text Placeholder 12">
-            <a:extLst>
-              <a:ext uri="{FF2B5EF4-FFF2-40B4-BE49-F238E27FC236}">
-                <a16:creationId xmlns:a16="http://schemas.microsoft.com/office/drawing/2014/main" id="{8C2F0B15-120C-423F-8EE5-F303B19D5CC5}"/>
-              </a:ext>
-            </a:extLst>
-          </p:cNvPr>
-          <p:cNvSpPr>
-            <a:spLocks noGrp="1"/>
-          </p:cNvSpPr>
-          <p:nvPr>
-            <p:ph type="body" sz="quarter" idx="18"/>
-          </p:nvPr>
-        </p:nvSpPr>
-        <p:spPr>
-          <a:xfrm>
-            <a:off x="4986029" y="2682564"/>
-            <a:ext cx="5102680" cy="1010842"/>
-          </a:xfrm>
-        </p:spPr>
-        <p:txBody>
-          <a:bodyPr>
-            <a:normAutofit/>
-          </a:bodyPr>
-          <a:lstStyle/>
-          <a:p>
-            <a:r>
-              <a:rPr lang="en-US" dirty="0"/>
-              <a:t>Coordinate e-business applications</a:t>
-            </a:r>
-          </a:p>
-        </p:txBody>
-      </p:sp>
-      <p:sp>
-        <p:nvSpPr>
-          <p:cNvPr id="14" name="Text Placeholder 13">
-            <a:extLst>
-              <a:ext uri="{FF2B5EF4-FFF2-40B4-BE49-F238E27FC236}">
-                <a16:creationId xmlns:a16="http://schemas.microsoft.com/office/drawing/2014/main" id="{300D2644-F516-41F1-A88D-93673EA209A4}"/>
-              </a:ext>
-            </a:extLst>
-          </p:cNvPr>
-          <p:cNvSpPr>
-            <a:spLocks noGrp="1"/>
-          </p:cNvSpPr>
-          <p:nvPr>
-            <p:ph type="body" sz="quarter" idx="19"/>
-          </p:nvPr>
-        </p:nvSpPr>
-        <p:spPr>
-          <a:xfrm>
-            <a:off x="5576938" y="3755394"/>
-            <a:ext cx="5102680" cy="1010842"/>
-          </a:xfrm>
-        </p:spPr>
-        <p:txBody>
-          <a:bodyPr>
-            <a:normAutofit/>
-          </a:bodyPr>
-          <a:lstStyle/>
-          <a:p>
-            <a:r>
-              <a:rPr lang="en-US" dirty="0"/>
-              <a:t>Deploy strategic networks with compelling e-business needs</a:t>
-            </a:r>
-          </a:p>
-        </p:txBody>
-      </p:sp>
-      <p:sp>
-        <p:nvSpPr>
-          <p:cNvPr id="15" name="Text Placeholder 14">
-            <a:extLst>
-              <a:ext uri="{FF2B5EF4-FFF2-40B4-BE49-F238E27FC236}">
-                <a16:creationId xmlns:a16="http://schemas.microsoft.com/office/drawing/2014/main" id="{9405A1F0-98C1-4B11-8D9A-3C009ADC44D0}"/>
-              </a:ext>
-            </a:extLst>
-          </p:cNvPr>
-          <p:cNvSpPr>
-            <a:spLocks noGrp="1"/>
-          </p:cNvSpPr>
-          <p:nvPr>
-            <p:ph type="body" sz="quarter" idx="20"/>
-          </p:nvPr>
-        </p:nvSpPr>
-        <p:spPr>
-          <a:xfrm>
-            <a:off x="6175280" y="4824430"/>
-            <a:ext cx="5102680" cy="1010842"/>
-          </a:xfrm>
-        </p:spPr>
-        <p:txBody>
-          <a:bodyPr>
-            <a:normAutofit/>
-          </a:bodyPr>
-          <a:lstStyle/>
-          <a:p>
-            <a:r>
-              <a:rPr lang="en-US" dirty="0"/>
-              <a:t>Disseminate standardized metrics</a:t>
-            </a:r>
-          </a:p>
-        </p:txBody>
-      </p:sp>
-      <p:sp>
-        <p:nvSpPr>
-          <p:cNvPr id="16" name="Date Placeholder 15">
-            <a:extLst>
-              <a:ext uri="{FF2B5EF4-FFF2-40B4-BE49-F238E27FC236}">
-                <a16:creationId xmlns:a16="http://schemas.microsoft.com/office/drawing/2014/main" id="{24238BD7-9B10-4E64-B1B4-FDE6DD70AA60}"/>
+              <a:t>At Contoso, we believe in giving 110%. By using our next-generation data architecture, we help organizations virtually manage agile workflows. We thrive because of our market knowledge and great team behind our product. As our CEO says, "Efficiencies will come from proactively transforming how we do business."​</a:t>
+            </a:r>
+          </a:p>
+        </p:txBody>
+      </p:sp>
+      <p:sp>
+        <p:nvSpPr>
+          <p:cNvPr id="4" name="Date Placeholder 3">
+            <a:extLst>
+              <a:ext uri="{FF2B5EF4-FFF2-40B4-BE49-F238E27FC236}">
+                <a16:creationId xmlns:a16="http://schemas.microsoft.com/office/drawing/2014/main" id="{00560550-EE65-43CE-B899-F421E74287A1}"/>
               </a:ext>
             </a:extLst>
           </p:cNvPr>
@@ -16424,10 +16119,10 @@
       </p:sp>
       <p:sp>
         <p:nvSpPr>
-          <p:cNvPr id="17" name="Footer Placeholder 16">
-            <a:extLst>
-              <a:ext uri="{FF2B5EF4-FFF2-40B4-BE49-F238E27FC236}">
-                <a16:creationId xmlns:a16="http://schemas.microsoft.com/office/drawing/2014/main" id="{CD3D67B7-A821-49FC-94BE-19EDE9D319A5}"/>
+          <p:cNvPr id="5" name="Footer Placeholder 4">
+            <a:extLst>
+              <a:ext uri="{FF2B5EF4-FFF2-40B4-BE49-F238E27FC236}">
+                <a16:creationId xmlns:a16="http://schemas.microsoft.com/office/drawing/2014/main" id="{4135E32A-1A8C-43D2-9C6E-12887B4DEDFB}"/>
               </a:ext>
             </a:extLst>
           </p:cNvPr>
@@ -16440,8 +16135,8 @@
         </p:nvSpPr>
         <p:spPr>
           <a:xfrm>
-            <a:off x="6749143" y="6356350"/>
-            <a:ext cx="3775981" cy="365125"/>
+            <a:off x="4038600" y="6356350"/>
+            <a:ext cx="4114800" cy="365125"/>
           </a:xfrm>
         </p:spPr>
         <p:txBody>
@@ -16457,10 +16152,10 @@
       </p:sp>
       <p:sp>
         <p:nvSpPr>
-          <p:cNvPr id="18" name="Slide Number Placeholder 17">
-            <a:extLst>
-              <a:ext uri="{FF2B5EF4-FFF2-40B4-BE49-F238E27FC236}">
-                <a16:creationId xmlns:a16="http://schemas.microsoft.com/office/drawing/2014/main" id="{C8D6D0E8-3983-4B7D-ADB2-077E17AD3BD0}"/>
+          <p:cNvPr id="6" name="Slide Number Placeholder 5">
+            <a:extLst>
+              <a:ext uri="{FF2B5EF4-FFF2-40B4-BE49-F238E27FC236}">
+                <a16:creationId xmlns:a16="http://schemas.microsoft.com/office/drawing/2014/main" id="{7C4B8313-9270-4128-8674-3A3E42B806BC}"/>
               </a:ext>
             </a:extLst>
           </p:cNvPr>
@@ -16473,8 +16168,8 @@
         </p:nvSpPr>
         <p:spPr>
           <a:xfrm>
-            <a:off x="10810874" y="6356350"/>
-            <a:ext cx="542925" cy="365125"/>
+            <a:off x="8610600" y="6356350"/>
+            <a:ext cx="2743200" cy="365125"/>
           </a:xfrm>
         </p:spPr>
         <p:txBody>
@@ -16485,205 +16180,6 @@
               <a:rPr lang="en-US" smtClean="0"/>
               <a:pPr/>
               <a:t>14</a:t>
-            </a:fld>
-            <a:endParaRPr lang="en-US" dirty="0"/>
-          </a:p>
-        </p:txBody>
-      </p:sp>
-    </p:spTree>
-    <p:extLst>
-      <p:ext uri="{BB962C8B-B14F-4D97-AF65-F5344CB8AC3E}">
-        <p14:creationId xmlns:p14="http://schemas.microsoft.com/office/powerpoint/2010/main" val="332104327"/>
-      </p:ext>
-    </p:extLst>
-  </p:cSld>
-  <p:clrMapOvr>
-    <a:masterClrMapping/>
-  </p:clrMapOvr>
-</p:sld>
-</file>
-
-<file path=ppt/slides/slide15.xml><?xml version="1.0" encoding="utf-8"?>
-<p:sld xmlns:a="http://schemas.openxmlformats.org/drawingml/2006/main" xmlns:r="http://schemas.openxmlformats.org/officeDocument/2006/relationships" xmlns:p="http://schemas.openxmlformats.org/presentationml/2006/main" show="0">
-  <p:cSld>
-    <p:spTree>
-      <p:nvGrpSpPr>
-        <p:cNvPr id="1" name=""/>
-        <p:cNvGrpSpPr/>
-        <p:nvPr/>
-      </p:nvGrpSpPr>
-      <p:grpSpPr>
-        <a:xfrm>
-          <a:off x="0" y="0"/>
-          <a:ext cx="0" cy="0"/>
-          <a:chOff x="0" y="0"/>
-          <a:chExt cx="0" cy="0"/>
-        </a:xfrm>
-      </p:grpSpPr>
-      <p:sp>
-        <p:nvSpPr>
-          <p:cNvPr id="2" name="Title 1">
-            <a:extLst>
-              <a:ext uri="{FF2B5EF4-FFF2-40B4-BE49-F238E27FC236}">
-                <a16:creationId xmlns:a16="http://schemas.microsoft.com/office/drawing/2014/main" id="{4518FC28-E0BD-4387-B8BE-9965D1A57FF1}"/>
-              </a:ext>
-            </a:extLst>
-          </p:cNvPr>
-          <p:cNvSpPr>
-            <a:spLocks noGrp="1"/>
-          </p:cNvSpPr>
-          <p:nvPr>
-            <p:ph type="title"/>
-          </p:nvPr>
-        </p:nvSpPr>
-        <p:spPr>
-          <a:xfrm>
-            <a:off x="5476875" y="1671639"/>
-            <a:ext cx="5111750" cy="1204912"/>
-          </a:xfrm>
-        </p:spPr>
-        <p:txBody>
-          <a:bodyPr/>
-          <a:lstStyle/>
-          <a:p>
-            <a:r>
-              <a:rPr lang="en-US" dirty="0"/>
-              <a:t>SUMMARY</a:t>
-            </a:r>
-          </a:p>
-        </p:txBody>
-      </p:sp>
-      <p:sp>
-        <p:nvSpPr>
-          <p:cNvPr id="3" name="Text Placeholder 2">
-            <a:extLst>
-              <a:ext uri="{FF2B5EF4-FFF2-40B4-BE49-F238E27FC236}">
-                <a16:creationId xmlns:a16="http://schemas.microsoft.com/office/drawing/2014/main" id="{FED19BCA-B61F-4EA6-A1FB-CCA3BD8506FB}"/>
-              </a:ext>
-            </a:extLst>
-          </p:cNvPr>
-          <p:cNvSpPr>
-            <a:spLocks noGrp="1"/>
-          </p:cNvSpPr>
-          <p:nvPr>
-            <p:ph type="body" idx="1"/>
-          </p:nvPr>
-        </p:nvSpPr>
-        <p:spPr>
-          <a:xfrm>
-            <a:off x="5476875" y="3660774"/>
-            <a:ext cx="5111750" cy="1525588"/>
-          </a:xfrm>
-        </p:spPr>
-        <p:txBody>
-          <a:bodyPr>
-            <a:normAutofit/>
-          </a:bodyPr>
-          <a:lstStyle/>
-          <a:p>
-            <a:r>
-              <a:rPr lang="en-US" dirty="0"/>
-              <a:t>At Contoso, we believe in giving 110%. By using our next-generation data architecture, we help organizations virtually manage agile workflows. We thrive because of our market knowledge and great team behind our product. As our CEO says, "Efficiencies will come from proactively transforming how we do business."​</a:t>
-            </a:r>
-          </a:p>
-        </p:txBody>
-      </p:sp>
-      <p:sp>
-        <p:nvSpPr>
-          <p:cNvPr id="4" name="Date Placeholder 3">
-            <a:extLst>
-              <a:ext uri="{FF2B5EF4-FFF2-40B4-BE49-F238E27FC236}">
-                <a16:creationId xmlns:a16="http://schemas.microsoft.com/office/drawing/2014/main" id="{00560550-EE65-43CE-B899-F421E74287A1}"/>
-              </a:ext>
-            </a:extLst>
-          </p:cNvPr>
-          <p:cNvSpPr>
-            <a:spLocks noGrp="1"/>
-          </p:cNvSpPr>
-          <p:nvPr>
-            <p:ph type="dt" sz="half" idx="10"/>
-          </p:nvPr>
-        </p:nvSpPr>
-        <p:spPr>
-          <a:xfrm>
-            <a:off x="838200" y="6356350"/>
-            <a:ext cx="2743200" cy="365125"/>
-          </a:xfrm>
-        </p:spPr>
-        <p:txBody>
-          <a:bodyPr/>
-          <a:lstStyle/>
-          <a:p>
-            <a:r>
-              <a:rPr lang="en-US" dirty="0"/>
-              <a:t>20XX</a:t>
-            </a:r>
-          </a:p>
-        </p:txBody>
-      </p:sp>
-      <p:sp>
-        <p:nvSpPr>
-          <p:cNvPr id="5" name="Footer Placeholder 4">
-            <a:extLst>
-              <a:ext uri="{FF2B5EF4-FFF2-40B4-BE49-F238E27FC236}">
-                <a16:creationId xmlns:a16="http://schemas.microsoft.com/office/drawing/2014/main" id="{4135E32A-1A8C-43D2-9C6E-12887B4DEDFB}"/>
-              </a:ext>
-            </a:extLst>
-          </p:cNvPr>
-          <p:cNvSpPr>
-            <a:spLocks noGrp="1"/>
-          </p:cNvSpPr>
-          <p:nvPr>
-            <p:ph type="ftr" sz="quarter" idx="11"/>
-          </p:nvPr>
-        </p:nvSpPr>
-        <p:spPr>
-          <a:xfrm>
-            <a:off x="4038600" y="6356350"/>
-            <a:ext cx="4114800" cy="365125"/>
-          </a:xfrm>
-        </p:spPr>
-        <p:txBody>
-          <a:bodyPr/>
-          <a:lstStyle/>
-          <a:p>
-            <a:r>
-              <a:rPr lang="en-US" dirty="0"/>
-              <a:t>PRESENTATION TITLE</a:t>
-            </a:r>
-          </a:p>
-        </p:txBody>
-      </p:sp>
-      <p:sp>
-        <p:nvSpPr>
-          <p:cNvPr id="6" name="Slide Number Placeholder 5">
-            <a:extLst>
-              <a:ext uri="{FF2B5EF4-FFF2-40B4-BE49-F238E27FC236}">
-                <a16:creationId xmlns:a16="http://schemas.microsoft.com/office/drawing/2014/main" id="{7C4B8313-9270-4128-8674-3A3E42B806BC}"/>
-              </a:ext>
-            </a:extLst>
-          </p:cNvPr>
-          <p:cNvSpPr>
-            <a:spLocks noGrp="1"/>
-          </p:cNvSpPr>
-          <p:nvPr>
-            <p:ph type="sldNum" sz="quarter" idx="12"/>
-          </p:nvPr>
-        </p:nvSpPr>
-        <p:spPr>
-          <a:xfrm>
-            <a:off x="8610600" y="6356350"/>
-            <a:ext cx="2743200" cy="365125"/>
-          </a:xfrm>
-        </p:spPr>
-        <p:txBody>
-          <a:bodyPr/>
-          <a:lstStyle/>
-          <a:p>
-            <a:fld id="{A49DFD55-3C28-40EF-9E31-A92D2E4017FF}" type="slidenum">
-              <a:rPr lang="en-US" smtClean="0"/>
-              <a:pPr/>
-              <a:t>15</a:t>
             </a:fld>
             <a:endParaRPr lang="en-US" dirty="0"/>
           </a:p>
@@ -16732,13 +16228,13 @@
             <a:spLocks noGrp="1"/>
           </p:cNvSpPr>
           <p:nvPr>
-            <p:ph type="title"/>
-          </p:nvPr>
-        </p:nvSpPr>
-        <p:spPr>
-          <a:xfrm>
-            <a:off x="1333500" y="1020445"/>
-            <a:ext cx="2895600" cy="1325563"/>
+            <p:ph type="ctrTitle"/>
+          </p:nvPr>
+        </p:nvSpPr>
+        <p:spPr>
+          <a:xfrm>
+            <a:off x="8358939" y="2411573"/>
+            <a:ext cx="4941771" cy="1122202"/>
           </a:xfrm>
         </p:spPr>
         <p:txBody>
@@ -16765,18 +16261,18 @@
             <a:spLocks noGrp="1"/>
           </p:cNvSpPr>
           <p:nvPr>
-            <p:ph idx="1"/>
-          </p:nvPr>
-        </p:nvSpPr>
-        <p:spPr>
-          <a:xfrm>
-            <a:off x="1333500" y="2924175"/>
-            <a:ext cx="2895600" cy="2519363"/>
+            <p:ph type="subTitle" idx="1"/>
+          </p:nvPr>
+        </p:nvSpPr>
+        <p:spPr>
+          <a:xfrm>
+            <a:off x="8358939" y="3963725"/>
+            <a:ext cx="3861636" cy="2392625"/>
           </a:xfrm>
         </p:spPr>
         <p:txBody>
           <a:bodyPr>
-            <a:normAutofit lnSpcReduction="10000"/>
+            <a:normAutofit/>
           </a:bodyPr>
           <a:lstStyle/>
           <a:p>
@@ -16830,13 +16326,13 @@
             <a:spLocks noGrp="1"/>
           </p:cNvSpPr>
           <p:nvPr>
-            <p:ph type="sldNum" sz="quarter" idx="12"/>
-          </p:nvPr>
-        </p:nvSpPr>
-        <p:spPr>
-          <a:xfrm>
-            <a:off x="5536305" y="6356350"/>
-            <a:ext cx="987552" cy="365125"/>
+            <p:ph type="sldNum" sz="quarter" idx="4294967295"/>
+          </p:nvPr>
+        </p:nvSpPr>
+        <p:spPr>
+          <a:xfrm>
+            <a:off x="0" y="6356350"/>
+            <a:ext cx="989013" cy="365125"/>
           </a:xfrm>
         </p:spPr>
         <p:txBody>
@@ -16887,7 +16383,7 @@
           <p:cNvPr id="2" name="Title 1">
             <a:extLst>
               <a:ext uri="{FF2B5EF4-FFF2-40B4-BE49-F238E27FC236}">
-                <a16:creationId xmlns:a16="http://schemas.microsoft.com/office/drawing/2014/main" id="{0A32731C-311B-46F7-A865-6C3AF6B09A47}"/>
+                <a16:creationId xmlns:a16="http://schemas.microsoft.com/office/drawing/2014/main" id="{B1FE5F11-B7B9-4B80-8C6A-A8A7A7190B77}"/>
               </a:ext>
             </a:extLst>
           </p:cNvPr>
@@ -16895,13 +16391,13 @@
             <a:spLocks noGrp="1"/>
           </p:cNvSpPr>
           <p:nvPr>
-            <p:ph type="title"/>
-          </p:nvPr>
-        </p:nvSpPr>
-        <p:spPr>
-          <a:xfrm>
-            <a:off x="1362075" y="1671639"/>
-            <a:ext cx="5111750" cy="1204912"/>
+            <p:ph type="ctrTitle"/>
+          </p:nvPr>
+        </p:nvSpPr>
+        <p:spPr>
+          <a:xfrm>
+            <a:off x="6991350" y="2148841"/>
+            <a:ext cx="4179570" cy="1080264"/>
           </a:xfrm>
         </p:spPr>
         <p:txBody>
@@ -16909,176 +16405,8 @@
           <a:lstStyle/>
           <a:p>
             <a:r>
-              <a:rPr lang="en-US" dirty="0"/>
-              <a:t>Topic INTRODUCTION</a:t>
-            </a:r>
-          </a:p>
-        </p:txBody>
-      </p:sp>
-      <p:sp>
-        <p:nvSpPr>
-          <p:cNvPr id="3" name="Text Placeholder 2">
-            <a:extLst>
-              <a:ext uri="{FF2B5EF4-FFF2-40B4-BE49-F238E27FC236}">
-                <a16:creationId xmlns:a16="http://schemas.microsoft.com/office/drawing/2014/main" id="{9D5232F9-FD00-464A-9F17-619C91AEF8F3}"/>
-              </a:ext>
-            </a:extLst>
-          </p:cNvPr>
-          <p:cNvSpPr>
-            <a:spLocks noGrp="1"/>
-          </p:cNvSpPr>
-          <p:nvPr>
-            <p:ph type="body" idx="1"/>
-          </p:nvPr>
-        </p:nvSpPr>
-        <p:spPr>
-          <a:xfrm>
-            <a:off x="1362074" y="3180522"/>
-            <a:ext cx="5608569" cy="2743200"/>
-          </a:xfrm>
-        </p:spPr>
-        <p:txBody>
-          <a:bodyPr>
-            <a:normAutofit/>
-          </a:bodyPr>
-          <a:lstStyle/>
-          <a:p>
-            <a:r>
-              <a:rPr lang="en-US" dirty="0"/>
-              <a:t>The topic our project will cover is intelligent browsing. Specifically, we will create a Google Chrome browser extension that summarizes the webpage the user is currently on. It will pull the most relevant/descriptive sentences from the page and display those as a bulleted summary to the user. The number of sentences shown will vary depending on the length of the document. </a:t>
-            </a:r>
-          </a:p>
-        </p:txBody>
-      </p:sp>
-      <p:sp>
-        <p:nvSpPr>
-          <p:cNvPr id="6" name="Slide Number Placeholder 5">
-            <a:extLst>
-              <a:ext uri="{FF2B5EF4-FFF2-40B4-BE49-F238E27FC236}">
-                <a16:creationId xmlns:a16="http://schemas.microsoft.com/office/drawing/2014/main" id="{7BC1787E-7110-4989-B0B8-DD4E0ACC09DF}"/>
-              </a:ext>
-            </a:extLst>
-          </p:cNvPr>
-          <p:cNvSpPr>
-            <a:spLocks noGrp="1"/>
-          </p:cNvSpPr>
-          <p:nvPr>
-            <p:ph type="sldNum" sz="quarter" idx="12"/>
-          </p:nvPr>
-        </p:nvSpPr>
-        <p:spPr>
-          <a:xfrm>
-            <a:off x="8610600" y="6356350"/>
-            <a:ext cx="2743200" cy="365125"/>
-          </a:xfrm>
-        </p:spPr>
-        <p:txBody>
-          <a:bodyPr/>
-          <a:lstStyle/>
-          <a:p>
-            <a:fld id="{A49DFD55-3C28-40EF-9E31-A92D2E4017FF}" type="slidenum">
-              <a:rPr lang="en-US" smtClean="0"/>
-              <a:pPr/>
-              <a:t>3</a:t>
-            </a:fld>
-            <a:endParaRPr lang="en-US" dirty="0"/>
-          </a:p>
-        </p:txBody>
-      </p:sp>
-    </p:spTree>
-    <p:extLst>
-      <p:ext uri="{BB962C8B-B14F-4D97-AF65-F5344CB8AC3E}">
-        <p14:creationId xmlns:p14="http://schemas.microsoft.com/office/powerpoint/2010/main" val="3571516367"/>
-      </p:ext>
-    </p:extLst>
-  </p:cSld>
-  <p:clrMapOvr>
-    <a:masterClrMapping/>
-  </p:clrMapOvr>
-</p:sld>
-</file>
-
-<file path=ppt/slides/slide4.xml><?xml version="1.0" encoding="utf-8"?>
-<p:sld xmlns:a="http://schemas.openxmlformats.org/drawingml/2006/main" xmlns:r="http://schemas.openxmlformats.org/officeDocument/2006/relationships" xmlns:p="http://schemas.openxmlformats.org/presentationml/2006/main">
-  <p:cSld>
-    <p:spTree>
-      <p:nvGrpSpPr>
-        <p:cNvPr id="1" name=""/>
-        <p:cNvGrpSpPr/>
-        <p:nvPr/>
-      </p:nvGrpSpPr>
-      <p:grpSpPr>
-        <a:xfrm>
-          <a:off x="0" y="0"/>
-          <a:ext cx="0" cy="0"/>
-          <a:chOff x="0" y="0"/>
-          <a:chExt cx="0" cy="0"/>
-        </a:xfrm>
-      </p:grpSpPr>
-      <p:sp>
-        <p:nvSpPr>
-          <p:cNvPr id="2" name="Title 1">
-            <a:extLst>
-              <a:ext uri="{FF2B5EF4-FFF2-40B4-BE49-F238E27FC236}">
-                <a16:creationId xmlns:a16="http://schemas.microsoft.com/office/drawing/2014/main" id="{B1FE5F11-B7B9-4B80-8C6A-A8A7A7190B77}"/>
-              </a:ext>
-            </a:extLst>
-          </p:cNvPr>
-          <p:cNvSpPr>
-            <a:spLocks noGrp="1"/>
-          </p:cNvSpPr>
-          <p:nvPr>
-            <p:ph type="ctrTitle"/>
-          </p:nvPr>
-        </p:nvSpPr>
-        <p:spPr>
-          <a:xfrm>
-            <a:off x="6991350" y="2148841"/>
-            <a:ext cx="4179570" cy="1280160"/>
-          </a:xfrm>
-        </p:spPr>
-        <p:txBody>
-          <a:bodyPr/>
-          <a:lstStyle/>
-          <a:p>
-            <a:r>
-              <a:rPr lang="en-US" dirty="0"/>
-              <a:t>PRIMARY GOALS</a:t>
-            </a:r>
-          </a:p>
-        </p:txBody>
-      </p:sp>
-      <p:sp>
-        <p:nvSpPr>
-          <p:cNvPr id="3" name="Subtitle 2">
-            <a:extLst>
-              <a:ext uri="{FF2B5EF4-FFF2-40B4-BE49-F238E27FC236}">
-                <a16:creationId xmlns:a16="http://schemas.microsoft.com/office/drawing/2014/main" id="{DA8AFAA9-633A-475C-B8ED-840A34F7294D}"/>
-              </a:ext>
-            </a:extLst>
-          </p:cNvPr>
-          <p:cNvSpPr>
-            <a:spLocks noGrp="1"/>
-          </p:cNvSpPr>
-          <p:nvPr>
-            <p:ph type="subTitle" idx="1"/>
-          </p:nvPr>
-        </p:nvSpPr>
-        <p:spPr>
-          <a:xfrm>
-            <a:off x="6991350" y="3551583"/>
-            <a:ext cx="4179570" cy="2451652"/>
-          </a:xfrm>
-        </p:spPr>
-        <p:txBody>
-          <a:bodyPr>
-            <a:normAutofit/>
-          </a:bodyPr>
-          <a:lstStyle/>
-          <a:p>
-            <a:r>
-              <a:rPr lang="en-US" dirty="0"/>
-              <a:t>The problem we will attempt to solve is efficient comprehension of the web pages with minimal time investment. Our solution will perform text retrieval using algorithms and techniques learned in the course to augment a user’s experience and make browsing more intelligent. </a:t>
+              <a:rPr lang="en-US" sz="2400" dirty="0"/>
+              <a:t>INTRODUCTION &amp; GOALS</a:t>
             </a:r>
           </a:p>
         </p:txBody>
@@ -17564,10 +16892,434 @@
           </a:p>
         </p:txBody>
       </p:sp>
+      <p:sp>
+        <p:nvSpPr>
+          <p:cNvPr id="23" name="Text Placeholder 2">
+            <a:extLst>
+              <a:ext uri="{FF2B5EF4-FFF2-40B4-BE49-F238E27FC236}">
+                <a16:creationId xmlns:a16="http://schemas.microsoft.com/office/drawing/2014/main" id="{D83420A7-2E88-4649-841B-92925BA002C7}"/>
+              </a:ext>
+            </a:extLst>
+          </p:cNvPr>
+          <p:cNvSpPr txBox="1">
+            <a:spLocks/>
+          </p:cNvSpPr>
+          <p:nvPr/>
+        </p:nvSpPr>
+        <p:spPr>
+          <a:xfrm>
+            <a:off x="6991350" y="3428999"/>
+            <a:ext cx="4695825" cy="4051201"/>
+          </a:xfrm>
+          <a:prstGeom prst="rect">
+            <a:avLst/>
+          </a:prstGeom>
+        </p:spPr>
+        <p:txBody>
+          <a:bodyPr vert="horz" lIns="91440" tIns="45720" rIns="91440" bIns="45720" rtlCol="0">
+            <a:normAutofit/>
+          </a:bodyPr>
+          <a:lstStyle>
+            <a:lvl1pPr marL="0" indent="0" algn="l" defTabSz="914400" rtl="0" eaLnBrk="1" latinLnBrk="0" hangingPunct="1">
+              <a:lnSpc>
+                <a:spcPct val="90000"/>
+              </a:lnSpc>
+              <a:spcBef>
+                <a:spcPts val="1000"/>
+              </a:spcBef>
+              <a:buFont typeface="Arial" panose="020B0604020202020204" pitchFamily="34" charset="0"/>
+              <a:buNone/>
+              <a:defRPr sz="1600" kern="1200">
+                <a:solidFill>
+                  <a:schemeClr val="bg1"/>
+                </a:solidFill>
+                <a:latin typeface="+mn-lt"/>
+                <a:ea typeface="+mn-ea"/>
+                <a:cs typeface="+mn-cs"/>
+              </a:defRPr>
+            </a:lvl1pPr>
+            <a:lvl2pPr marL="457200" indent="0" algn="ctr" defTabSz="914400" rtl="0" eaLnBrk="1" latinLnBrk="0" hangingPunct="1">
+              <a:lnSpc>
+                <a:spcPct val="90000"/>
+              </a:lnSpc>
+              <a:spcBef>
+                <a:spcPts val="500"/>
+              </a:spcBef>
+              <a:buFont typeface="Arial" panose="020B0604020202020204" pitchFamily="34" charset="0"/>
+              <a:buNone/>
+              <a:defRPr sz="2000" kern="1200">
+                <a:solidFill>
+                  <a:schemeClr val="tx1"/>
+                </a:solidFill>
+                <a:latin typeface="+mn-lt"/>
+                <a:ea typeface="+mn-ea"/>
+                <a:cs typeface="+mn-cs"/>
+              </a:defRPr>
+            </a:lvl2pPr>
+            <a:lvl3pPr marL="914400" indent="0" algn="ctr" defTabSz="914400" rtl="0" eaLnBrk="1" latinLnBrk="0" hangingPunct="1">
+              <a:lnSpc>
+                <a:spcPct val="90000"/>
+              </a:lnSpc>
+              <a:spcBef>
+                <a:spcPts val="500"/>
+              </a:spcBef>
+              <a:buFont typeface="Arial" panose="020B0604020202020204" pitchFamily="34" charset="0"/>
+              <a:buNone/>
+              <a:defRPr sz="1800" kern="1200">
+                <a:solidFill>
+                  <a:schemeClr val="tx1"/>
+                </a:solidFill>
+                <a:latin typeface="+mn-lt"/>
+                <a:ea typeface="+mn-ea"/>
+                <a:cs typeface="+mn-cs"/>
+              </a:defRPr>
+            </a:lvl3pPr>
+            <a:lvl4pPr marL="1371600" indent="0" algn="ctr" defTabSz="914400" rtl="0" eaLnBrk="1" latinLnBrk="0" hangingPunct="1">
+              <a:lnSpc>
+                <a:spcPct val="90000"/>
+              </a:lnSpc>
+              <a:spcBef>
+                <a:spcPts val="500"/>
+              </a:spcBef>
+              <a:buFont typeface="Arial" panose="020B0604020202020204" pitchFamily="34" charset="0"/>
+              <a:buNone/>
+              <a:defRPr sz="1600" kern="1200">
+                <a:solidFill>
+                  <a:schemeClr val="tx1"/>
+                </a:solidFill>
+                <a:latin typeface="+mn-lt"/>
+                <a:ea typeface="+mn-ea"/>
+                <a:cs typeface="+mn-cs"/>
+              </a:defRPr>
+            </a:lvl4pPr>
+            <a:lvl5pPr marL="1828800" indent="0" algn="ctr" defTabSz="914400" rtl="0" eaLnBrk="1" latinLnBrk="0" hangingPunct="1">
+              <a:lnSpc>
+                <a:spcPct val="90000"/>
+              </a:lnSpc>
+              <a:spcBef>
+                <a:spcPts val="500"/>
+              </a:spcBef>
+              <a:buFont typeface="Arial" panose="020B0604020202020204" pitchFamily="34" charset="0"/>
+              <a:buNone/>
+              <a:defRPr sz="1600" kern="1200">
+                <a:solidFill>
+                  <a:schemeClr val="tx1"/>
+                </a:solidFill>
+                <a:latin typeface="+mn-lt"/>
+                <a:ea typeface="+mn-ea"/>
+                <a:cs typeface="+mn-cs"/>
+              </a:defRPr>
+            </a:lvl5pPr>
+            <a:lvl6pPr marL="2286000" indent="0" algn="ctr" defTabSz="914400" rtl="0" eaLnBrk="1" latinLnBrk="0" hangingPunct="1">
+              <a:lnSpc>
+                <a:spcPct val="90000"/>
+              </a:lnSpc>
+              <a:spcBef>
+                <a:spcPts val="500"/>
+              </a:spcBef>
+              <a:buFont typeface="Arial" panose="020B0604020202020204" pitchFamily="34" charset="0"/>
+              <a:buNone/>
+              <a:defRPr sz="1600" kern="1200">
+                <a:solidFill>
+                  <a:schemeClr val="tx1"/>
+                </a:solidFill>
+                <a:latin typeface="+mn-lt"/>
+                <a:ea typeface="+mn-ea"/>
+                <a:cs typeface="+mn-cs"/>
+              </a:defRPr>
+            </a:lvl6pPr>
+            <a:lvl7pPr marL="2743200" indent="0" algn="ctr" defTabSz="914400" rtl="0" eaLnBrk="1" latinLnBrk="0" hangingPunct="1">
+              <a:lnSpc>
+                <a:spcPct val="90000"/>
+              </a:lnSpc>
+              <a:spcBef>
+                <a:spcPts val="500"/>
+              </a:spcBef>
+              <a:buFont typeface="Arial" panose="020B0604020202020204" pitchFamily="34" charset="0"/>
+              <a:buNone/>
+              <a:defRPr sz="1600" kern="1200">
+                <a:solidFill>
+                  <a:schemeClr val="tx1"/>
+                </a:solidFill>
+                <a:latin typeface="+mn-lt"/>
+                <a:ea typeface="+mn-ea"/>
+                <a:cs typeface="+mn-cs"/>
+              </a:defRPr>
+            </a:lvl7pPr>
+            <a:lvl8pPr marL="3200400" indent="0" algn="ctr" defTabSz="914400" rtl="0" eaLnBrk="1" latinLnBrk="0" hangingPunct="1">
+              <a:lnSpc>
+                <a:spcPct val="90000"/>
+              </a:lnSpc>
+              <a:spcBef>
+                <a:spcPts val="500"/>
+              </a:spcBef>
+              <a:buFont typeface="Arial" panose="020B0604020202020204" pitchFamily="34" charset="0"/>
+              <a:buNone/>
+              <a:defRPr sz="1600" kern="1200">
+                <a:solidFill>
+                  <a:schemeClr val="tx1"/>
+                </a:solidFill>
+                <a:latin typeface="+mn-lt"/>
+                <a:ea typeface="+mn-ea"/>
+                <a:cs typeface="+mn-cs"/>
+              </a:defRPr>
+            </a:lvl8pPr>
+            <a:lvl9pPr marL="3657600" indent="0" algn="ctr" defTabSz="914400" rtl="0" eaLnBrk="1" latinLnBrk="0" hangingPunct="1">
+              <a:lnSpc>
+                <a:spcPct val="90000"/>
+              </a:lnSpc>
+              <a:spcBef>
+                <a:spcPts val="500"/>
+              </a:spcBef>
+              <a:buFont typeface="Arial" panose="020B0604020202020204" pitchFamily="34" charset="0"/>
+              <a:buNone/>
+              <a:defRPr sz="1600" kern="1200">
+                <a:solidFill>
+                  <a:schemeClr val="tx1"/>
+                </a:solidFill>
+                <a:latin typeface="+mn-lt"/>
+                <a:ea typeface="+mn-ea"/>
+                <a:cs typeface="+mn-cs"/>
+              </a:defRPr>
+            </a:lvl9pPr>
+          </a:lstStyle>
+          <a:p>
+            <a:r>
+              <a:rPr lang="en-US" dirty="0"/>
+              <a:t>Terse is an intelligent browsing extension for Google Chrome. It uses text retrieval and mining algorithms to minimize time spent reading web articles by summarizing its content.</a:t>
+            </a:r>
+          </a:p>
+          <a:p>
+            <a:endParaRPr lang="en-US" dirty="0"/>
+          </a:p>
+          <a:p>
+            <a:r>
+              <a:rPr lang="en-US" dirty="0"/>
+              <a:t>Specifically, the extension extracts topics and sentences judged to be most relevant to the overall document.</a:t>
+            </a:r>
+          </a:p>
+        </p:txBody>
+      </p:sp>
     </p:spTree>
     <p:extLst>
       <p:ext uri="{BB962C8B-B14F-4D97-AF65-F5344CB8AC3E}">
         <p14:creationId xmlns:p14="http://schemas.microsoft.com/office/powerpoint/2010/main" val="379728094"/>
+      </p:ext>
+    </p:extLst>
+  </p:cSld>
+  <p:clrMapOvr>
+    <a:masterClrMapping/>
+  </p:clrMapOvr>
+</p:sld>
+</file>
+
+<file path=ppt/slides/slide4.xml><?xml version="1.0" encoding="utf-8"?>
+<p:sld xmlns:a="http://schemas.openxmlformats.org/drawingml/2006/main" xmlns:r="http://schemas.openxmlformats.org/officeDocument/2006/relationships" xmlns:p="http://schemas.openxmlformats.org/presentationml/2006/main">
+  <p:cSld>
+    <p:spTree>
+      <p:nvGrpSpPr>
+        <p:cNvPr id="1" name=""/>
+        <p:cNvGrpSpPr/>
+        <p:nvPr/>
+      </p:nvGrpSpPr>
+      <p:grpSpPr>
+        <a:xfrm>
+          <a:off x="0" y="0"/>
+          <a:ext cx="0" cy="0"/>
+          <a:chOff x="0" y="0"/>
+          <a:chExt cx="0" cy="0"/>
+        </a:xfrm>
+      </p:grpSpPr>
+      <p:sp>
+        <p:nvSpPr>
+          <p:cNvPr id="2" name="Title 1">
+            <a:extLst>
+              <a:ext uri="{FF2B5EF4-FFF2-40B4-BE49-F238E27FC236}">
+                <a16:creationId xmlns:a16="http://schemas.microsoft.com/office/drawing/2014/main" id="{09140014-73D5-419B-8867-972BB18D52D4}"/>
+              </a:ext>
+            </a:extLst>
+          </p:cNvPr>
+          <p:cNvSpPr>
+            <a:spLocks noGrp="1"/>
+          </p:cNvSpPr>
+          <p:nvPr>
+            <p:ph type="title"/>
+          </p:nvPr>
+        </p:nvSpPr>
+        <p:spPr>
+          <a:xfrm>
+            <a:off x="2615648" y="1325742"/>
+            <a:ext cx="8726488" cy="1325563"/>
+          </a:xfrm>
+        </p:spPr>
+        <p:txBody>
+          <a:bodyPr/>
+          <a:lstStyle/>
+          <a:p>
+            <a:r>
+              <a:rPr lang="en-US" dirty="0"/>
+              <a:t>Algorithms &amp; techniques</a:t>
+            </a:r>
+          </a:p>
+        </p:txBody>
+      </p:sp>
+      <p:sp>
+        <p:nvSpPr>
+          <p:cNvPr id="4" name="Content Placeholder 3">
+            <a:extLst>
+              <a:ext uri="{FF2B5EF4-FFF2-40B4-BE49-F238E27FC236}">
+                <a16:creationId xmlns:a16="http://schemas.microsoft.com/office/drawing/2014/main" id="{33D8731E-4977-402E-8BFD-895B4D0544CC}"/>
+              </a:ext>
+            </a:extLst>
+          </p:cNvPr>
+          <p:cNvSpPr>
+            <a:spLocks noGrp="1"/>
+          </p:cNvSpPr>
+          <p:nvPr>
+            <p:ph sz="half" idx="2"/>
+          </p:nvPr>
+        </p:nvSpPr>
+        <p:spPr>
+          <a:xfrm>
+            <a:off x="2615648" y="2800350"/>
+            <a:ext cx="3924300" cy="3032123"/>
+          </a:xfrm>
+        </p:spPr>
+        <p:txBody>
+          <a:bodyPr>
+            <a:normAutofit/>
+          </a:bodyPr>
+          <a:lstStyle/>
+          <a:p>
+            <a:r>
+              <a:rPr lang="en-US" dirty="0"/>
+              <a:t>Document / content filtering</a:t>
+            </a:r>
+          </a:p>
+          <a:p>
+            <a:r>
+              <a:rPr lang="en-US" dirty="0"/>
+              <a:t>Bag-of-words representation</a:t>
+            </a:r>
+          </a:p>
+          <a:p>
+            <a:r>
+              <a:rPr lang="en-US" dirty="0"/>
+              <a:t>Inverse document frequency (Stop words)​</a:t>
+            </a:r>
+          </a:p>
+          <a:p>
+            <a:r>
+              <a:rPr lang="en-US" dirty="0"/>
+              <a:t>Dot-matrix</a:t>
+            </a:r>
+          </a:p>
+          <a:p>
+            <a:r>
+              <a:rPr lang="en-US" dirty="0"/>
+              <a:t>Cosine similarity</a:t>
+            </a:r>
+          </a:p>
+        </p:txBody>
+      </p:sp>
+      <p:sp>
+        <p:nvSpPr>
+          <p:cNvPr id="6" name="Content Placeholder 5">
+            <a:extLst>
+              <a:ext uri="{FF2B5EF4-FFF2-40B4-BE49-F238E27FC236}">
+                <a16:creationId xmlns:a16="http://schemas.microsoft.com/office/drawing/2014/main" id="{50B65871-FA95-449A-B8BC-90486DE532EF}"/>
+              </a:ext>
+            </a:extLst>
+          </p:cNvPr>
+          <p:cNvSpPr>
+            <a:spLocks noGrp="1"/>
+          </p:cNvSpPr>
+          <p:nvPr>
+            <p:ph sz="quarter" idx="4"/>
+          </p:nvPr>
+        </p:nvSpPr>
+        <p:spPr>
+          <a:xfrm>
+            <a:off x="7460974" y="2800351"/>
+            <a:ext cx="3535020" cy="3336996"/>
+          </a:xfrm>
+        </p:spPr>
+        <p:txBody>
+          <a:bodyPr>
+            <a:normAutofit/>
+          </a:bodyPr>
+          <a:lstStyle/>
+          <a:p>
+            <a:r>
+              <a:rPr lang="en-US" dirty="0"/>
+              <a:t>Sentence length normalization</a:t>
+            </a:r>
+          </a:p>
+          <a:p>
+            <a:r>
+              <a:rPr lang="en-US" dirty="0"/>
+              <a:t>Sentence ranking / scoring </a:t>
+            </a:r>
+          </a:p>
+          <a:p>
+            <a:r>
+              <a:rPr lang="en-US" dirty="0"/>
+              <a:t>Topic extraction</a:t>
+            </a:r>
+          </a:p>
+          <a:p>
+            <a:r>
+              <a:rPr lang="en-US" dirty="0"/>
+              <a:t>Calculation of reading time savings</a:t>
+            </a:r>
+          </a:p>
+          <a:p>
+            <a:r>
+              <a:rPr lang="en-US" dirty="0"/>
+              <a:t>Precision at K to measure success</a:t>
+            </a:r>
+          </a:p>
+        </p:txBody>
+      </p:sp>
+      <p:sp>
+        <p:nvSpPr>
+          <p:cNvPr id="9" name="Slide Number Placeholder 8">
+            <a:extLst>
+              <a:ext uri="{FF2B5EF4-FFF2-40B4-BE49-F238E27FC236}">
+                <a16:creationId xmlns:a16="http://schemas.microsoft.com/office/drawing/2014/main" id="{C396FFDC-ADE8-4009-A466-A81787258E88}"/>
+              </a:ext>
+            </a:extLst>
+          </p:cNvPr>
+          <p:cNvSpPr>
+            <a:spLocks noGrp="1"/>
+          </p:cNvSpPr>
+          <p:nvPr>
+            <p:ph type="sldNum" sz="quarter" idx="12"/>
+          </p:nvPr>
+        </p:nvSpPr>
+        <p:spPr>
+          <a:xfrm>
+            <a:off x="8610600" y="6356350"/>
+            <a:ext cx="2743200" cy="365125"/>
+          </a:xfrm>
+        </p:spPr>
+        <p:txBody>
+          <a:bodyPr/>
+          <a:lstStyle/>
+          <a:p>
+            <a:fld id="{A49DFD55-3C28-40EF-9E31-A92D2E4017FF}" type="slidenum">
+              <a:rPr lang="en-US" smtClean="0"/>
+              <a:pPr/>
+              <a:t>4</a:t>
+            </a:fld>
+            <a:endParaRPr lang="en-US" dirty="0"/>
+          </a:p>
+        </p:txBody>
+      </p:sp>
+    </p:spTree>
+    <p:extLst>
+      <p:ext uri="{BB962C8B-B14F-4D97-AF65-F5344CB8AC3E}">
+        <p14:creationId xmlns:p14="http://schemas.microsoft.com/office/powerpoint/2010/main" val="1663780162"/>
       </p:ext>
     </p:extLst>
   </p:cSld>
@@ -17599,7 +17351,7 @@
           <p:cNvPr id="2" name="Title 1">
             <a:extLst>
               <a:ext uri="{FF2B5EF4-FFF2-40B4-BE49-F238E27FC236}">
-                <a16:creationId xmlns:a16="http://schemas.microsoft.com/office/drawing/2014/main" id="{09140014-73D5-419B-8867-972BB18D52D4}"/>
+                <a16:creationId xmlns:a16="http://schemas.microsoft.com/office/drawing/2014/main" id="{C4CA0637-CCAA-425E-A57A-6205AFDC8B8C}"/>
               </a:ext>
             </a:extLst>
           </p:cNvPr>
@@ -17612,8 +17364,8 @@
         </p:nvSpPr>
         <p:spPr>
           <a:xfrm>
-            <a:off x="2615648" y="1325742"/>
-            <a:ext cx="8726488" cy="1325563"/>
+            <a:off x="1885156" y="136525"/>
+            <a:ext cx="8421688" cy="981007"/>
           </a:xfrm>
         </p:spPr>
         <p:txBody>
@@ -17622,17 +17374,17 @@
           <a:p>
             <a:r>
               <a:rPr lang="en-US" dirty="0"/>
-              <a:t>Algorithms &amp; techniques</a:t>
-            </a:r>
-          </a:p>
-        </p:txBody>
-      </p:sp>
-      <p:sp>
-        <p:nvSpPr>
-          <p:cNvPr id="3" name="Text Placeholder 2">
-            <a:extLst>
-              <a:ext uri="{FF2B5EF4-FFF2-40B4-BE49-F238E27FC236}">
-                <a16:creationId xmlns:a16="http://schemas.microsoft.com/office/drawing/2014/main" id="{A45AD8B9-3719-4696-A80F-16A618C5D134}"/>
+              <a:t>implementation</a:t>
+            </a:r>
+          </a:p>
+        </p:txBody>
+      </p:sp>
+      <p:sp>
+        <p:nvSpPr>
+          <p:cNvPr id="4" name="Content Placeholder 3">
+            <a:extLst>
+              <a:ext uri="{FF2B5EF4-FFF2-40B4-BE49-F238E27FC236}">
+                <a16:creationId xmlns:a16="http://schemas.microsoft.com/office/drawing/2014/main" id="{A1D16151-9486-4A03-AE3A-F1CC562E0564}"/>
               </a:ext>
             </a:extLst>
           </p:cNvPr>
@@ -17640,46 +17392,13 @@
             <a:spLocks noGrp="1"/>
           </p:cNvSpPr>
           <p:nvPr>
-            <p:ph type="body" idx="1"/>
-          </p:nvPr>
-        </p:nvSpPr>
-        <p:spPr>
-          <a:xfrm>
-            <a:off x="2615648" y="2383187"/>
-            <a:ext cx="4620039" cy="823912"/>
-          </a:xfrm>
-        </p:spPr>
-        <p:txBody>
-          <a:bodyPr/>
-          <a:lstStyle/>
-          <a:p>
-            <a:r>
-              <a:rPr lang="en-US" dirty="0"/>
-              <a:t>TEXT RETRIEVAL &amp; PROCESSING</a:t>
-            </a:r>
-          </a:p>
-        </p:txBody>
-      </p:sp>
-      <p:sp>
-        <p:nvSpPr>
-          <p:cNvPr id="4" name="Content Placeholder 3">
-            <a:extLst>
-              <a:ext uri="{FF2B5EF4-FFF2-40B4-BE49-F238E27FC236}">
-                <a16:creationId xmlns:a16="http://schemas.microsoft.com/office/drawing/2014/main" id="{33D8731E-4977-402E-8BFD-895B4D0544CC}"/>
-              </a:ext>
-            </a:extLst>
-          </p:cNvPr>
-          <p:cNvSpPr>
-            <a:spLocks noGrp="1"/>
-          </p:cNvSpPr>
-          <p:nvPr>
             <p:ph sz="half" idx="2"/>
           </p:nvPr>
         </p:nvSpPr>
         <p:spPr>
           <a:xfrm>
-            <a:off x="2615648" y="3429000"/>
-            <a:ext cx="3924300" cy="2403473"/>
+            <a:off x="6281528" y="1312963"/>
+            <a:ext cx="5072272" cy="1048337"/>
           </a:xfrm>
         </p:spPr>
         <p:txBody>
@@ -17690,121 +17409,17 @@
           <a:p>
             <a:r>
               <a:rPr lang="en-US" dirty="0"/>
-              <a:t>Dot-matrix</a:t>
-            </a:r>
-          </a:p>
-          <a:p>
-            <a:r>
-              <a:rPr lang="en-US" dirty="0"/>
-              <a:t>Cosine similarity</a:t>
-            </a:r>
-          </a:p>
-          <a:p>
-            <a:r>
-              <a:rPr lang="en-US" dirty="0"/>
-              <a:t>Bag-of-words representation</a:t>
-            </a:r>
-          </a:p>
-          <a:p>
-            <a:r>
-              <a:rPr lang="en-US" dirty="0"/>
-              <a:t>Stop-word filtering​</a:t>
-            </a:r>
-          </a:p>
-        </p:txBody>
-      </p:sp>
-      <p:sp>
-        <p:nvSpPr>
-          <p:cNvPr id="5" name="Text Placeholder 4">
-            <a:extLst>
-              <a:ext uri="{FF2B5EF4-FFF2-40B4-BE49-F238E27FC236}">
-                <a16:creationId xmlns:a16="http://schemas.microsoft.com/office/drawing/2014/main" id="{91CDEC5F-B8EE-4BC1-843F-13135E6E7AB2}"/>
-              </a:ext>
-            </a:extLst>
-          </p:cNvPr>
-          <p:cNvSpPr>
-            <a:spLocks noGrp="1"/>
-          </p:cNvSpPr>
-          <p:nvPr>
-            <p:ph type="body" sz="quarter" idx="3"/>
-          </p:nvPr>
-        </p:nvSpPr>
-        <p:spPr>
-          <a:xfrm>
-            <a:off x="7460974" y="2383187"/>
-            <a:ext cx="4288701" cy="823912"/>
-          </a:xfrm>
-        </p:spPr>
-        <p:txBody>
-          <a:bodyPr/>
-          <a:lstStyle/>
-          <a:p>
-            <a:r>
-              <a:rPr lang="en-US" dirty="0"/>
-              <a:t>METHODS &amp; ALGORITHMS</a:t>
-            </a:r>
-          </a:p>
-        </p:txBody>
-      </p:sp>
-      <p:sp>
-        <p:nvSpPr>
-          <p:cNvPr id="6" name="Content Placeholder 5">
-            <a:extLst>
-              <a:ext uri="{FF2B5EF4-FFF2-40B4-BE49-F238E27FC236}">
-                <a16:creationId xmlns:a16="http://schemas.microsoft.com/office/drawing/2014/main" id="{50B65871-FA95-449A-B8BC-90486DE532EF}"/>
-              </a:ext>
-            </a:extLst>
-          </p:cNvPr>
-          <p:cNvSpPr>
-            <a:spLocks noGrp="1"/>
-          </p:cNvSpPr>
-          <p:nvPr>
-            <p:ph sz="quarter" idx="4"/>
-          </p:nvPr>
-        </p:nvSpPr>
-        <p:spPr>
-          <a:xfrm>
-            <a:off x="7460974" y="3425037"/>
-            <a:ext cx="3535020" cy="2930247"/>
-          </a:xfrm>
-        </p:spPr>
-        <p:txBody>
-          <a:bodyPr>
-            <a:normAutofit/>
-          </a:bodyPr>
-          <a:lstStyle/>
-          <a:p>
-            <a:r>
-              <a:rPr lang="en-US" dirty="0"/>
-              <a:t>Sentence ranking / scoring </a:t>
-            </a:r>
-          </a:p>
-          <a:p>
-            <a:r>
-              <a:rPr lang="en-US" dirty="0"/>
-              <a:t>Document / content filtering</a:t>
-            </a:r>
-          </a:p>
-          <a:p>
-            <a:r>
-              <a:rPr lang="en-US" dirty="0"/>
-              <a:t>Calculation of reading time savings</a:t>
-            </a:r>
-          </a:p>
-          <a:p>
-            <a:r>
-              <a:rPr lang="en-US" dirty="0"/>
-              <a:t>Mean average precision to measure success</a:t>
-            </a:r>
-          </a:p>
-        </p:txBody>
-      </p:sp>
-      <p:sp>
-        <p:nvSpPr>
-          <p:cNvPr id="9" name="Slide Number Placeholder 8">
-            <a:extLst>
-              <a:ext uri="{FF2B5EF4-FFF2-40B4-BE49-F238E27FC236}">
-                <a16:creationId xmlns:a16="http://schemas.microsoft.com/office/drawing/2014/main" id="{C396FFDC-ADE8-4009-A466-A81787258E88}"/>
+              <a:t>Our solution involved development of a Google Chrome extension using JavaScript and auxiliary web languages/technologies such as CSS3 and HTML5.</a:t>
+            </a:r>
+          </a:p>
+        </p:txBody>
+      </p:sp>
+      <p:sp>
+        <p:nvSpPr>
+          <p:cNvPr id="11" name="Slide Number Placeholder 10">
+            <a:extLst>
+              <a:ext uri="{FF2B5EF4-FFF2-40B4-BE49-F238E27FC236}">
+                <a16:creationId xmlns:a16="http://schemas.microsoft.com/office/drawing/2014/main" id="{7AE81C1E-A7C3-40CD-9C11-0C03A2221292}"/>
               </a:ext>
             </a:extLst>
           </p:cNvPr>
@@ -17834,10 +17449,142 @@
           </a:p>
         </p:txBody>
       </p:sp>
+      <p:pic>
+        <p:nvPicPr>
+          <p:cNvPr id="23" name="Picture 22">
+            <a:extLst>
+              <a:ext uri="{FF2B5EF4-FFF2-40B4-BE49-F238E27FC236}">
+                <a16:creationId xmlns:a16="http://schemas.microsoft.com/office/drawing/2014/main" id="{1E694067-961D-4A4C-9B26-271BC0F440FC}"/>
+              </a:ext>
+            </a:extLst>
+          </p:cNvPr>
+          <p:cNvPicPr>
+            <a:picLocks noChangeAspect="1"/>
+          </p:cNvPicPr>
+          <p:nvPr/>
+        </p:nvPicPr>
+        <p:blipFill>
+          <a:blip r:embed="rId2"/>
+          <a:srcRect/>
+          <a:stretch/>
+        </p:blipFill>
+        <p:spPr>
+          <a:xfrm>
+            <a:off x="2897433" y="2576700"/>
+            <a:ext cx="7941838" cy="3779650"/>
+          </a:xfrm>
+          <a:prstGeom prst="rect">
+            <a:avLst/>
+          </a:prstGeom>
+          <a:ln>
+            <a:noFill/>
+          </a:ln>
+          <a:effectLst>
+            <a:outerShdw blurRad="292100" dist="139700" dir="2700000" algn="tl" rotWithShape="0">
+              <a:srgbClr val="333333">
+                <a:alpha val="65000"/>
+              </a:srgbClr>
+            </a:outerShdw>
+          </a:effectLst>
+        </p:spPr>
+      </p:pic>
+      <p:pic>
+        <p:nvPicPr>
+          <p:cNvPr id="25" name="Picture 24">
+            <a:extLst>
+              <a:ext uri="{FF2B5EF4-FFF2-40B4-BE49-F238E27FC236}">
+                <a16:creationId xmlns:a16="http://schemas.microsoft.com/office/drawing/2014/main" id="{9EF5BD84-8E8F-4E58-A3AC-D4FF46E26689}"/>
+              </a:ext>
+            </a:extLst>
+          </p:cNvPr>
+          <p:cNvPicPr>
+            <a:picLocks noChangeAspect="1"/>
+          </p:cNvPicPr>
+          <p:nvPr/>
+        </p:nvPicPr>
+        <p:blipFill rotWithShape="1">
+          <a:blip r:embed="rId3"/>
+          <a:srcRect l="2072" r="2072"/>
+          <a:stretch/>
+        </p:blipFill>
+        <p:spPr>
+          <a:xfrm>
+            <a:off x="583096" y="1072452"/>
+            <a:ext cx="5287647" cy="3901729"/>
+          </a:xfrm>
+          <a:prstGeom prst="rect">
+            <a:avLst/>
+          </a:prstGeom>
+          <a:ln>
+            <a:noFill/>
+          </a:ln>
+          <a:effectLst>
+            <a:outerShdw blurRad="292100" dist="139700" dir="2700000" algn="tl" rotWithShape="0">
+              <a:srgbClr val="333333">
+                <a:alpha val="65000"/>
+              </a:srgbClr>
+            </a:outerShdw>
+          </a:effectLst>
+        </p:spPr>
+      </p:pic>
+      <p:sp>
+        <p:nvSpPr>
+          <p:cNvPr id="26" name="Arrow: Bent-Up 25">
+            <a:extLst>
+              <a:ext uri="{FF2B5EF4-FFF2-40B4-BE49-F238E27FC236}">
+                <a16:creationId xmlns:a16="http://schemas.microsoft.com/office/drawing/2014/main" id="{96573BCC-3C3C-4FEB-B71C-56F8B816EB79}"/>
+              </a:ext>
+            </a:extLst>
+          </p:cNvPr>
+          <p:cNvSpPr/>
+          <p:nvPr/>
+        </p:nvSpPr>
+        <p:spPr>
+          <a:xfrm rot="10800000" flipV="1">
+            <a:off x="1505775" y="5188187"/>
+            <a:ext cx="1073427" cy="954157"/>
+          </a:xfrm>
+          <a:prstGeom prst="bentUpArrow">
+            <a:avLst/>
+          </a:prstGeom>
+          <a:solidFill>
+            <a:schemeClr val="bg1">
+              <a:lumMod val="65000"/>
+            </a:schemeClr>
+          </a:solidFill>
+          <a:ln>
+            <a:noFill/>
+          </a:ln>
+        </p:spPr>
+        <p:style>
+          <a:lnRef idx="2">
+            <a:schemeClr val="accent1">
+              <a:shade val="50000"/>
+            </a:schemeClr>
+          </a:lnRef>
+          <a:fillRef idx="1">
+            <a:schemeClr val="accent1"/>
+          </a:fillRef>
+          <a:effectRef idx="0">
+            <a:schemeClr val="accent1"/>
+          </a:effectRef>
+          <a:fontRef idx="minor">
+            <a:schemeClr val="lt1"/>
+          </a:fontRef>
+        </p:style>
+        <p:txBody>
+          <a:bodyPr rtlCol="0" anchor="ctr"/>
+          <a:lstStyle/>
+          <a:p>
+            <a:pPr algn="ctr"/>
+            <a:endParaRPr lang="en-US"/>
+          </a:p>
+        </p:txBody>
+      </p:sp>
     </p:spTree>
     <p:extLst>
       <p:ext uri="{BB962C8B-B14F-4D97-AF65-F5344CB8AC3E}">
-        <p14:creationId xmlns:p14="http://schemas.microsoft.com/office/powerpoint/2010/main" val="1663780162"/>
+        <p14:creationId xmlns:p14="http://schemas.microsoft.com/office/powerpoint/2010/main" val="1429429409"/>
       </p:ext>
     </p:extLst>
   </p:cSld>
@@ -17869,7 +17616,7 @@
           <p:cNvPr id="2" name="Title 1">
             <a:extLst>
               <a:ext uri="{FF2B5EF4-FFF2-40B4-BE49-F238E27FC236}">
-                <a16:creationId xmlns:a16="http://schemas.microsoft.com/office/drawing/2014/main" id="{C4CA0637-CCAA-425E-A57A-6205AFDC8B8C}"/>
+                <a16:creationId xmlns:a16="http://schemas.microsoft.com/office/drawing/2014/main" id="{AFC6D044-C704-4974-935B-AE3D7EFC9BC4}"/>
               </a:ext>
             </a:extLst>
           </p:cNvPr>
@@ -17882,8 +17629,8 @@
         </p:nvSpPr>
         <p:spPr>
           <a:xfrm>
-            <a:off x="1885156" y="136525"/>
-            <a:ext cx="8421688" cy="981007"/>
+            <a:off x="838200" y="351873"/>
+            <a:ext cx="10515600" cy="1325563"/>
           </a:xfrm>
         </p:spPr>
         <p:txBody>
@@ -17892,42 +17639,7 @@
           <a:p>
             <a:r>
               <a:rPr lang="en-US" dirty="0"/>
-              <a:t>implementation</a:t>
-            </a:r>
-          </a:p>
-        </p:txBody>
-      </p:sp>
-      <p:sp>
-        <p:nvSpPr>
-          <p:cNvPr id="4" name="Content Placeholder 3">
-            <a:extLst>
-              <a:ext uri="{FF2B5EF4-FFF2-40B4-BE49-F238E27FC236}">
-                <a16:creationId xmlns:a16="http://schemas.microsoft.com/office/drawing/2014/main" id="{A1D16151-9486-4A03-AE3A-F1CC562E0564}"/>
-              </a:ext>
-            </a:extLst>
-          </p:cNvPr>
-          <p:cNvSpPr>
-            <a:spLocks noGrp="1"/>
-          </p:cNvSpPr>
-          <p:nvPr>
-            <p:ph sz="half" idx="2"/>
-          </p:nvPr>
-        </p:nvSpPr>
-        <p:spPr>
-          <a:xfrm>
-            <a:off x="6281528" y="1312963"/>
-            <a:ext cx="5072272" cy="1048337"/>
-          </a:xfrm>
-        </p:spPr>
-        <p:txBody>
-          <a:bodyPr>
-            <a:normAutofit/>
-          </a:bodyPr>
-          <a:lstStyle/>
-          <a:p>
-            <a:r>
-              <a:rPr lang="en-US" dirty="0"/>
-              <a:t>Our solution involved development of a Google Chrome extension using JavaScript and auxiliary web languages/technologies such as CSS3 and HTML5.</a:t>
+              <a:t>Summarization PERFORMANCE</a:t>
             </a:r>
           </a:p>
         </p:txBody>
@@ -17937,7 +17649,7 @@
           <p:cNvPr id="11" name="Slide Number Placeholder 10">
             <a:extLst>
               <a:ext uri="{FF2B5EF4-FFF2-40B4-BE49-F238E27FC236}">
-                <a16:creationId xmlns:a16="http://schemas.microsoft.com/office/drawing/2014/main" id="{7AE81C1E-A7C3-40CD-9C11-0C03A2221292}"/>
+                <a16:creationId xmlns:a16="http://schemas.microsoft.com/office/drawing/2014/main" id="{6D5843A7-CBF3-441B-919C-8467B2BB19B5}"/>
               </a:ext>
             </a:extLst>
           </p:cNvPr>
@@ -17967,237 +17679,6 @@
           </a:p>
         </p:txBody>
       </p:sp>
-      <p:pic>
-        <p:nvPicPr>
-          <p:cNvPr id="23" name="Picture 22">
-            <a:extLst>
-              <a:ext uri="{FF2B5EF4-FFF2-40B4-BE49-F238E27FC236}">
-                <a16:creationId xmlns:a16="http://schemas.microsoft.com/office/drawing/2014/main" id="{1E694067-961D-4A4C-9B26-271BC0F440FC}"/>
-              </a:ext>
-            </a:extLst>
-          </p:cNvPr>
-          <p:cNvPicPr>
-            <a:picLocks noChangeAspect="1"/>
-          </p:cNvPicPr>
-          <p:nvPr/>
-        </p:nvPicPr>
-        <p:blipFill>
-          <a:blip r:embed="rId2"/>
-          <a:stretch>
-            <a:fillRect/>
-          </a:stretch>
-        </p:blipFill>
-        <p:spPr>
-          <a:xfrm>
-            <a:off x="2382904" y="2556732"/>
-            <a:ext cx="8970896" cy="3779650"/>
-          </a:xfrm>
-          <a:prstGeom prst="rect">
-            <a:avLst/>
-          </a:prstGeom>
-          <a:ln>
-            <a:noFill/>
-          </a:ln>
-          <a:effectLst>
-            <a:outerShdw blurRad="292100" dist="139700" dir="2700000" algn="tl" rotWithShape="0">
-              <a:srgbClr val="333333">
-                <a:alpha val="65000"/>
-              </a:srgbClr>
-            </a:outerShdw>
-          </a:effectLst>
-        </p:spPr>
-      </p:pic>
-      <p:pic>
-        <p:nvPicPr>
-          <p:cNvPr id="25" name="Picture 24">
-            <a:extLst>
-              <a:ext uri="{FF2B5EF4-FFF2-40B4-BE49-F238E27FC236}">
-                <a16:creationId xmlns:a16="http://schemas.microsoft.com/office/drawing/2014/main" id="{9EF5BD84-8E8F-4E58-A3AC-D4FF46E26689}"/>
-              </a:ext>
-            </a:extLst>
-          </p:cNvPr>
-          <p:cNvPicPr>
-            <a:picLocks noChangeAspect="1"/>
-          </p:cNvPicPr>
-          <p:nvPr/>
-        </p:nvPicPr>
-        <p:blipFill rotWithShape="1">
-          <a:blip r:embed="rId3"/>
-          <a:srcRect l="375"/>
-          <a:stretch/>
-        </p:blipFill>
-        <p:spPr>
-          <a:xfrm>
-            <a:off x="556591" y="1072452"/>
-            <a:ext cx="5287647" cy="3901729"/>
-          </a:xfrm>
-          <a:prstGeom prst="rect">
-            <a:avLst/>
-          </a:prstGeom>
-          <a:ln>
-            <a:noFill/>
-          </a:ln>
-          <a:effectLst>
-            <a:outerShdw blurRad="292100" dist="139700" dir="2700000" algn="tl" rotWithShape="0">
-              <a:srgbClr val="333333">
-                <a:alpha val="65000"/>
-              </a:srgbClr>
-            </a:outerShdw>
-          </a:effectLst>
-        </p:spPr>
-      </p:pic>
-      <p:sp>
-        <p:nvSpPr>
-          <p:cNvPr id="26" name="Arrow: Bent-Up 25">
-            <a:extLst>
-              <a:ext uri="{FF2B5EF4-FFF2-40B4-BE49-F238E27FC236}">
-                <a16:creationId xmlns:a16="http://schemas.microsoft.com/office/drawing/2014/main" id="{96573BCC-3C3C-4FEB-B71C-56F8B816EB79}"/>
-              </a:ext>
-            </a:extLst>
-          </p:cNvPr>
-          <p:cNvSpPr/>
-          <p:nvPr/>
-        </p:nvSpPr>
-        <p:spPr>
-          <a:xfrm rot="10800000" flipV="1">
-            <a:off x="1039050" y="5178203"/>
-            <a:ext cx="1073427" cy="954157"/>
-          </a:xfrm>
-          <a:prstGeom prst="bentUpArrow">
-            <a:avLst/>
-          </a:prstGeom>
-          <a:solidFill>
-            <a:schemeClr val="bg1">
-              <a:lumMod val="65000"/>
-            </a:schemeClr>
-          </a:solidFill>
-          <a:ln>
-            <a:noFill/>
-          </a:ln>
-        </p:spPr>
-        <p:style>
-          <a:lnRef idx="2">
-            <a:schemeClr val="accent1">
-              <a:shade val="50000"/>
-            </a:schemeClr>
-          </a:lnRef>
-          <a:fillRef idx="1">
-            <a:schemeClr val="accent1"/>
-          </a:fillRef>
-          <a:effectRef idx="0">
-            <a:schemeClr val="accent1"/>
-          </a:effectRef>
-          <a:fontRef idx="minor">
-            <a:schemeClr val="lt1"/>
-          </a:fontRef>
-        </p:style>
-        <p:txBody>
-          <a:bodyPr rtlCol="0" anchor="ctr"/>
-          <a:lstStyle/>
-          <a:p>
-            <a:pPr algn="ctr"/>
-            <a:endParaRPr lang="en-US"/>
-          </a:p>
-        </p:txBody>
-      </p:sp>
-    </p:spTree>
-    <p:extLst>
-      <p:ext uri="{BB962C8B-B14F-4D97-AF65-F5344CB8AC3E}">
-        <p14:creationId xmlns:p14="http://schemas.microsoft.com/office/powerpoint/2010/main" val="1429429409"/>
-      </p:ext>
-    </p:extLst>
-  </p:cSld>
-  <p:clrMapOvr>
-    <a:masterClrMapping/>
-  </p:clrMapOvr>
-</p:sld>
-</file>
-
-<file path=ppt/slides/slide7.xml><?xml version="1.0" encoding="utf-8"?>
-<p:sld xmlns:a="http://schemas.openxmlformats.org/drawingml/2006/main" xmlns:r="http://schemas.openxmlformats.org/officeDocument/2006/relationships" xmlns:p="http://schemas.openxmlformats.org/presentationml/2006/main">
-  <p:cSld>
-    <p:spTree>
-      <p:nvGrpSpPr>
-        <p:cNvPr id="1" name=""/>
-        <p:cNvGrpSpPr/>
-        <p:nvPr/>
-      </p:nvGrpSpPr>
-      <p:grpSpPr>
-        <a:xfrm>
-          <a:off x="0" y="0"/>
-          <a:ext cx="0" cy="0"/>
-          <a:chOff x="0" y="0"/>
-          <a:chExt cx="0" cy="0"/>
-        </a:xfrm>
-      </p:grpSpPr>
-      <p:sp>
-        <p:nvSpPr>
-          <p:cNvPr id="2" name="Title 1">
-            <a:extLst>
-              <a:ext uri="{FF2B5EF4-FFF2-40B4-BE49-F238E27FC236}">
-                <a16:creationId xmlns:a16="http://schemas.microsoft.com/office/drawing/2014/main" id="{AFC6D044-C704-4974-935B-AE3D7EFC9BC4}"/>
-              </a:ext>
-            </a:extLst>
-          </p:cNvPr>
-          <p:cNvSpPr>
-            <a:spLocks noGrp="1"/>
-          </p:cNvSpPr>
-          <p:nvPr>
-            <p:ph type="title"/>
-          </p:nvPr>
-        </p:nvSpPr>
-        <p:spPr>
-          <a:xfrm>
-            <a:off x="838200" y="351873"/>
-            <a:ext cx="10515600" cy="1325563"/>
-          </a:xfrm>
-        </p:spPr>
-        <p:txBody>
-          <a:bodyPr/>
-          <a:lstStyle/>
-          <a:p>
-            <a:r>
-              <a:rPr lang="en-US" dirty="0"/>
-              <a:t>Summarization PERFORMANCE</a:t>
-            </a:r>
-          </a:p>
-        </p:txBody>
-      </p:sp>
-      <p:sp>
-        <p:nvSpPr>
-          <p:cNvPr id="11" name="Slide Number Placeholder 10">
-            <a:extLst>
-              <a:ext uri="{FF2B5EF4-FFF2-40B4-BE49-F238E27FC236}">
-                <a16:creationId xmlns:a16="http://schemas.microsoft.com/office/drawing/2014/main" id="{6D5843A7-CBF3-441B-919C-8467B2BB19B5}"/>
-              </a:ext>
-            </a:extLst>
-          </p:cNvPr>
-          <p:cNvSpPr>
-            <a:spLocks noGrp="1"/>
-          </p:cNvSpPr>
-          <p:nvPr>
-            <p:ph type="sldNum" sz="quarter" idx="12"/>
-          </p:nvPr>
-        </p:nvSpPr>
-        <p:spPr>
-          <a:xfrm>
-            <a:off x="8610600" y="6356350"/>
-            <a:ext cx="2743200" cy="365125"/>
-          </a:xfrm>
-        </p:spPr>
-        <p:txBody>
-          <a:bodyPr/>
-          <a:lstStyle/>
-          <a:p>
-            <a:fld id="{A49DFD55-3C28-40EF-9E31-A92D2E4017FF}" type="slidenum">
-              <a:rPr lang="en-US" smtClean="0"/>
-              <a:pPr/>
-              <a:t>7</a:t>
-            </a:fld>
-            <a:endParaRPr lang="en-US" dirty="0"/>
-          </a:p>
-        </p:txBody>
-      </p:sp>
       <p:graphicFrame>
         <p:nvGraphicFramePr>
           <p:cNvPr id="6" name="Chart Placeholder 5" descr="Chart Placeholder">
@@ -18214,7 +17695,7 @@
             <p:ph type="chart" sz="quarter" idx="13"/>
             <p:extLst>
               <p:ext uri="{D42A27DB-BD31-4B8C-83A1-F6EECF244321}">
-                <p14:modId xmlns:p14="http://schemas.microsoft.com/office/powerpoint/2010/main" val="2712952101"/>
+                <p14:modId xmlns:p14="http://schemas.microsoft.com/office/powerpoint/2010/main" val="3434872335"/>
               </p:ext>
             </p:extLst>
           </p:nvPr>
@@ -18435,6 +17916,602 @@
     <p:extLst>
       <p:ext uri="{BB962C8B-B14F-4D97-AF65-F5344CB8AC3E}">
         <p14:creationId xmlns:p14="http://schemas.microsoft.com/office/powerpoint/2010/main" val="2303579910"/>
+      </p:ext>
+    </p:extLst>
+  </p:cSld>
+  <p:clrMapOvr>
+    <a:masterClrMapping/>
+  </p:clrMapOvr>
+</p:sld>
+</file>
+
+<file path=ppt/slides/slide7.xml><?xml version="1.0" encoding="utf-8"?>
+<p:sld xmlns:a="http://schemas.openxmlformats.org/drawingml/2006/main" xmlns:r="http://schemas.openxmlformats.org/officeDocument/2006/relationships" xmlns:p="http://schemas.openxmlformats.org/presentationml/2006/main" show="0">
+  <p:cSld>
+    <p:spTree>
+      <p:nvGrpSpPr>
+        <p:cNvPr id="1" name=""/>
+        <p:cNvGrpSpPr/>
+        <p:nvPr/>
+      </p:nvGrpSpPr>
+      <p:grpSpPr>
+        <a:xfrm>
+          <a:off x="0" y="0"/>
+          <a:ext cx="0" cy="0"/>
+          <a:chOff x="0" y="0"/>
+          <a:chExt cx="0" cy="0"/>
+        </a:xfrm>
+      </p:grpSpPr>
+      <p:sp>
+        <p:nvSpPr>
+          <p:cNvPr id="2" name="Title 1">
+            <a:extLst>
+              <a:ext uri="{FF2B5EF4-FFF2-40B4-BE49-F238E27FC236}">
+                <a16:creationId xmlns:a16="http://schemas.microsoft.com/office/drawing/2014/main" id="{FA93DB88-62DD-4C41-977F-D59BEF14EE76}"/>
+              </a:ext>
+            </a:extLst>
+          </p:cNvPr>
+          <p:cNvSpPr>
+            <a:spLocks noGrp="1"/>
+          </p:cNvSpPr>
+          <p:nvPr>
+            <p:ph type="title"/>
+          </p:nvPr>
+        </p:nvSpPr>
+        <p:spPr>
+          <a:xfrm>
+            <a:off x="7184878" y="729834"/>
+            <a:ext cx="4638675" cy="585788"/>
+          </a:xfrm>
+        </p:spPr>
+        <p:txBody>
+          <a:bodyPr>
+            <a:normAutofit/>
+          </a:bodyPr>
+          <a:lstStyle/>
+          <a:p>
+            <a:r>
+              <a:rPr lang="en-US" dirty="0"/>
+              <a:t>Installation process</a:t>
+            </a:r>
+          </a:p>
+        </p:txBody>
+      </p:sp>
+      <p:sp>
+        <p:nvSpPr>
+          <p:cNvPr id="3" name="Text Placeholder 2">
+            <a:extLst>
+              <a:ext uri="{FF2B5EF4-FFF2-40B4-BE49-F238E27FC236}">
+                <a16:creationId xmlns:a16="http://schemas.microsoft.com/office/drawing/2014/main" id="{AEF37E83-2D8B-42EF-A2C4-5D2BBDB1F05B}"/>
+              </a:ext>
+            </a:extLst>
+          </p:cNvPr>
+          <p:cNvSpPr>
+            <a:spLocks noGrp="1"/>
+          </p:cNvSpPr>
+          <p:nvPr>
+            <p:ph type="body" sz="quarter" idx="13"/>
+          </p:nvPr>
+        </p:nvSpPr>
+        <p:spPr>
+          <a:xfrm>
+            <a:off x="166074" y="1507772"/>
+            <a:ext cx="2141764" cy="514350"/>
+          </a:xfrm>
+        </p:spPr>
+        <p:txBody>
+          <a:bodyPr/>
+          <a:lstStyle/>
+          <a:p>
+            <a:r>
+              <a:rPr lang="en-US" dirty="0"/>
+              <a:t>1</a:t>
+            </a:r>
+          </a:p>
+        </p:txBody>
+      </p:sp>
+      <p:sp>
+        <p:nvSpPr>
+          <p:cNvPr id="4" name="Text Placeholder 3">
+            <a:extLst>
+              <a:ext uri="{FF2B5EF4-FFF2-40B4-BE49-F238E27FC236}">
+                <a16:creationId xmlns:a16="http://schemas.microsoft.com/office/drawing/2014/main" id="{B0D77839-2CFD-4BC8-85DA-9EE69CCE1B20}"/>
+              </a:ext>
+            </a:extLst>
+          </p:cNvPr>
+          <p:cNvSpPr>
+            <a:spLocks noGrp="1"/>
+          </p:cNvSpPr>
+          <p:nvPr>
+            <p:ph type="body" sz="quarter" idx="14"/>
+          </p:nvPr>
+        </p:nvSpPr>
+        <p:spPr>
+          <a:xfrm>
+            <a:off x="732131" y="2584097"/>
+            <a:ext cx="2141764" cy="514350"/>
+          </a:xfrm>
+        </p:spPr>
+        <p:txBody>
+          <a:bodyPr/>
+          <a:lstStyle/>
+          <a:p>
+            <a:r>
+              <a:rPr lang="en-US" dirty="0"/>
+              <a:t>2</a:t>
+            </a:r>
+          </a:p>
+        </p:txBody>
+      </p:sp>
+      <p:sp>
+        <p:nvSpPr>
+          <p:cNvPr id="5" name="Text Placeholder 4">
+            <a:extLst>
+              <a:ext uri="{FF2B5EF4-FFF2-40B4-BE49-F238E27FC236}">
+                <a16:creationId xmlns:a16="http://schemas.microsoft.com/office/drawing/2014/main" id="{57E386FF-C90F-4484-A843-D4BA75FFF002}"/>
+              </a:ext>
+            </a:extLst>
+          </p:cNvPr>
+          <p:cNvSpPr>
+            <a:spLocks noGrp="1"/>
+          </p:cNvSpPr>
+          <p:nvPr>
+            <p:ph type="body" sz="quarter" idx="15"/>
+          </p:nvPr>
+        </p:nvSpPr>
+        <p:spPr>
+          <a:xfrm>
+            <a:off x="1338556" y="3660422"/>
+            <a:ext cx="2141764" cy="514350"/>
+          </a:xfrm>
+        </p:spPr>
+        <p:txBody>
+          <a:bodyPr/>
+          <a:lstStyle/>
+          <a:p>
+            <a:r>
+              <a:rPr lang="en-US" dirty="0"/>
+              <a:t>3</a:t>
+            </a:r>
+          </a:p>
+        </p:txBody>
+      </p:sp>
+      <p:sp>
+        <p:nvSpPr>
+          <p:cNvPr id="6" name="Text Placeholder 5">
+            <a:extLst>
+              <a:ext uri="{FF2B5EF4-FFF2-40B4-BE49-F238E27FC236}">
+                <a16:creationId xmlns:a16="http://schemas.microsoft.com/office/drawing/2014/main" id="{F30780D1-5C1B-411C-81ED-7B9970FCBF8A}"/>
+              </a:ext>
+            </a:extLst>
+          </p:cNvPr>
+          <p:cNvSpPr>
+            <a:spLocks noGrp="1"/>
+          </p:cNvSpPr>
+          <p:nvPr>
+            <p:ph type="body" sz="quarter" idx="16"/>
+          </p:nvPr>
+        </p:nvSpPr>
+        <p:spPr>
+          <a:xfrm>
+            <a:off x="1922756" y="4736748"/>
+            <a:ext cx="2141764" cy="514350"/>
+          </a:xfrm>
+        </p:spPr>
+        <p:txBody>
+          <a:bodyPr/>
+          <a:lstStyle/>
+          <a:p>
+            <a:r>
+              <a:rPr lang="en-US" dirty="0"/>
+              <a:t>4</a:t>
+            </a:r>
+          </a:p>
+        </p:txBody>
+      </p:sp>
+      <p:sp>
+        <p:nvSpPr>
+          <p:cNvPr id="12" name="Text Placeholder 11">
+            <a:extLst>
+              <a:ext uri="{FF2B5EF4-FFF2-40B4-BE49-F238E27FC236}">
+                <a16:creationId xmlns:a16="http://schemas.microsoft.com/office/drawing/2014/main" id="{FABE7D8B-D1CD-44C0-AD2D-2ABA67684E97}"/>
+              </a:ext>
+            </a:extLst>
+          </p:cNvPr>
+          <p:cNvSpPr>
+            <a:spLocks noGrp="1"/>
+          </p:cNvSpPr>
+          <p:nvPr>
+            <p:ph type="body" sz="quarter" idx="17"/>
+          </p:nvPr>
+        </p:nvSpPr>
+        <p:spPr>
+          <a:xfrm>
+            <a:off x="4401536" y="1613528"/>
+            <a:ext cx="5102680" cy="1010842"/>
+          </a:xfrm>
+        </p:spPr>
+        <p:txBody>
+          <a:bodyPr>
+            <a:normAutofit/>
+          </a:bodyPr>
+          <a:lstStyle/>
+          <a:p>
+            <a:r>
+              <a:rPr lang="en-US" dirty="0"/>
+              <a:t>Download </a:t>
+            </a:r>
+            <a:r>
+              <a:rPr lang="en-US" dirty="0" err="1"/>
+              <a:t>Github</a:t>
+            </a:r>
+            <a:r>
+              <a:rPr lang="en-US" dirty="0"/>
+              <a:t> repository</a:t>
+            </a:r>
+          </a:p>
+          <a:p>
+            <a:r>
+              <a:rPr lang="en-US" dirty="0">
+                <a:hlinkClick r:id="rId2"/>
+              </a:rPr>
+              <a:t>https://github.com/devinsburke/CourseProject</a:t>
+            </a:r>
+            <a:r>
+              <a:rPr lang="en-US" dirty="0"/>
+              <a:t> </a:t>
+            </a:r>
+          </a:p>
+        </p:txBody>
+      </p:sp>
+      <p:sp>
+        <p:nvSpPr>
+          <p:cNvPr id="13" name="Text Placeholder 12">
+            <a:extLst>
+              <a:ext uri="{FF2B5EF4-FFF2-40B4-BE49-F238E27FC236}">
+                <a16:creationId xmlns:a16="http://schemas.microsoft.com/office/drawing/2014/main" id="{8C2F0B15-120C-423F-8EE5-F303B19D5CC5}"/>
+              </a:ext>
+            </a:extLst>
+          </p:cNvPr>
+          <p:cNvSpPr>
+            <a:spLocks noGrp="1"/>
+          </p:cNvSpPr>
+          <p:nvPr>
+            <p:ph type="body" sz="quarter" idx="18"/>
+          </p:nvPr>
+        </p:nvSpPr>
+        <p:spPr>
+          <a:xfrm>
+            <a:off x="4986029" y="2682564"/>
+            <a:ext cx="5102680" cy="1010842"/>
+          </a:xfrm>
+        </p:spPr>
+        <p:txBody>
+          <a:bodyPr>
+            <a:normAutofit/>
+          </a:bodyPr>
+          <a:lstStyle/>
+          <a:p>
+            <a:r>
+              <a:rPr lang="en-US" dirty="0"/>
+              <a:t>Enable Chrome developer mode</a:t>
+            </a:r>
+          </a:p>
+          <a:p>
+            <a:r>
+              <a:rPr lang="en-US" dirty="0">
+                <a:hlinkClick r:id="rId3"/>
+              </a:rPr>
+              <a:t>chrome://extensions </a:t>
+            </a:r>
+            <a:endParaRPr lang="en-US" dirty="0"/>
+          </a:p>
+        </p:txBody>
+      </p:sp>
+      <p:sp>
+        <p:nvSpPr>
+          <p:cNvPr id="14" name="Text Placeholder 13">
+            <a:extLst>
+              <a:ext uri="{FF2B5EF4-FFF2-40B4-BE49-F238E27FC236}">
+                <a16:creationId xmlns:a16="http://schemas.microsoft.com/office/drawing/2014/main" id="{300D2644-F516-41F1-A88D-93673EA209A4}"/>
+              </a:ext>
+            </a:extLst>
+          </p:cNvPr>
+          <p:cNvSpPr>
+            <a:spLocks noGrp="1"/>
+          </p:cNvSpPr>
+          <p:nvPr>
+            <p:ph type="body" sz="quarter" idx="19"/>
+          </p:nvPr>
+        </p:nvSpPr>
+        <p:spPr>
+          <a:xfrm>
+            <a:off x="5576938" y="3755394"/>
+            <a:ext cx="5102680" cy="1010842"/>
+          </a:xfrm>
+        </p:spPr>
+        <p:txBody>
+          <a:bodyPr>
+            <a:normAutofit/>
+          </a:bodyPr>
+          <a:lstStyle/>
+          <a:p>
+            <a:r>
+              <a:rPr lang="en-US" dirty="0"/>
+              <a:t>Load unpacked extension and choose the ‘Chrome’ folder from the downloaded repository</a:t>
+            </a:r>
+          </a:p>
+        </p:txBody>
+      </p:sp>
+      <p:sp>
+        <p:nvSpPr>
+          <p:cNvPr id="18" name="Slide Number Placeholder 17">
+            <a:extLst>
+              <a:ext uri="{FF2B5EF4-FFF2-40B4-BE49-F238E27FC236}">
+                <a16:creationId xmlns:a16="http://schemas.microsoft.com/office/drawing/2014/main" id="{C8D6D0E8-3983-4B7D-ADB2-077E17AD3BD0}"/>
+              </a:ext>
+            </a:extLst>
+          </p:cNvPr>
+          <p:cNvSpPr>
+            <a:spLocks noGrp="1"/>
+          </p:cNvSpPr>
+          <p:nvPr>
+            <p:ph type="sldNum" sz="quarter" idx="12"/>
+          </p:nvPr>
+        </p:nvSpPr>
+        <p:spPr>
+          <a:xfrm>
+            <a:off x="10810874" y="6356350"/>
+            <a:ext cx="542925" cy="365125"/>
+          </a:xfrm>
+        </p:spPr>
+        <p:txBody>
+          <a:bodyPr/>
+          <a:lstStyle/>
+          <a:p>
+            <a:fld id="{A49DFD55-3C28-40EF-9E31-A92D2E4017FF}" type="slidenum">
+              <a:rPr lang="en-US" smtClean="0"/>
+              <a:pPr/>
+              <a:t>7</a:t>
+            </a:fld>
+            <a:endParaRPr lang="en-US" dirty="0"/>
+          </a:p>
+        </p:txBody>
+      </p:sp>
+      <p:sp>
+        <p:nvSpPr>
+          <p:cNvPr id="8" name="Text Placeholder 7">
+            <a:extLst>
+              <a:ext uri="{FF2B5EF4-FFF2-40B4-BE49-F238E27FC236}">
+                <a16:creationId xmlns:a16="http://schemas.microsoft.com/office/drawing/2014/main" id="{DB1B2A9D-0BCF-4264-A65D-A11BE71DBCAD}"/>
+              </a:ext>
+            </a:extLst>
+          </p:cNvPr>
+          <p:cNvSpPr>
+            <a:spLocks noGrp="1"/>
+          </p:cNvSpPr>
+          <p:nvPr>
+            <p:ph type="body" sz="quarter" idx="20"/>
+          </p:nvPr>
+        </p:nvSpPr>
+        <p:spPr/>
+        <p:txBody>
+          <a:bodyPr/>
+          <a:lstStyle/>
+          <a:p>
+            <a:r>
+              <a:rPr lang="en-US" dirty="0"/>
+              <a:t>Browse web articles using the Terse icon for summarization</a:t>
+            </a:r>
+          </a:p>
+        </p:txBody>
+      </p:sp>
+      <p:sp>
+        <p:nvSpPr>
+          <p:cNvPr id="19" name="Text Placeholder 2">
+            <a:extLst>
+              <a:ext uri="{FF2B5EF4-FFF2-40B4-BE49-F238E27FC236}">
+                <a16:creationId xmlns:a16="http://schemas.microsoft.com/office/drawing/2014/main" id="{C6707DCE-BD52-4BC1-A2C7-045BA03F0C05}"/>
+              </a:ext>
+            </a:extLst>
+          </p:cNvPr>
+          <p:cNvSpPr txBox="1">
+            <a:spLocks/>
+          </p:cNvSpPr>
+          <p:nvPr/>
+        </p:nvSpPr>
+        <p:spPr>
+          <a:xfrm>
+            <a:off x="5895244" y="5715984"/>
+            <a:ext cx="6125305" cy="1280731"/>
+          </a:xfrm>
+          <a:prstGeom prst="rect">
+            <a:avLst/>
+          </a:prstGeom>
+        </p:spPr>
+        <p:txBody>
+          <a:bodyPr>
+            <a:normAutofit/>
+          </a:bodyPr>
+          <a:lstStyle>
+            <a:lvl1pPr marL="228600" indent="-228600" algn="l" defTabSz="914400" rtl="0" eaLnBrk="1" latinLnBrk="0" hangingPunct="1">
+              <a:lnSpc>
+                <a:spcPct val="90000"/>
+              </a:lnSpc>
+              <a:spcBef>
+                <a:spcPts val="1000"/>
+              </a:spcBef>
+              <a:buFont typeface="Arial" panose="020B0604020202020204" pitchFamily="34" charset="0"/>
+              <a:buChar char="•"/>
+              <a:defRPr sz="2800" kern="1200">
+                <a:solidFill>
+                  <a:schemeClr val="tx1"/>
+                </a:solidFill>
+                <a:latin typeface="+mn-lt"/>
+                <a:ea typeface="+mn-ea"/>
+                <a:cs typeface="+mn-cs"/>
+              </a:defRPr>
+            </a:lvl1pPr>
+            <a:lvl2pPr marL="685800" indent="-228600" algn="l" defTabSz="914400" rtl="0" eaLnBrk="1" latinLnBrk="0" hangingPunct="1">
+              <a:lnSpc>
+                <a:spcPct val="90000"/>
+              </a:lnSpc>
+              <a:spcBef>
+                <a:spcPts val="500"/>
+              </a:spcBef>
+              <a:buFont typeface="Arial" panose="020B0604020202020204" pitchFamily="34" charset="0"/>
+              <a:buChar char="•"/>
+              <a:defRPr sz="2400" kern="1200">
+                <a:solidFill>
+                  <a:schemeClr val="tx1"/>
+                </a:solidFill>
+                <a:latin typeface="+mn-lt"/>
+                <a:ea typeface="+mn-ea"/>
+                <a:cs typeface="+mn-cs"/>
+              </a:defRPr>
+            </a:lvl2pPr>
+            <a:lvl3pPr marL="1143000" indent="-228600" algn="l" defTabSz="914400" rtl="0" eaLnBrk="1" latinLnBrk="0" hangingPunct="1">
+              <a:lnSpc>
+                <a:spcPct val="90000"/>
+              </a:lnSpc>
+              <a:spcBef>
+                <a:spcPts val="500"/>
+              </a:spcBef>
+              <a:buFont typeface="Arial" panose="020B0604020202020204" pitchFamily="34" charset="0"/>
+              <a:buChar char="•"/>
+              <a:defRPr sz="2000" kern="1200">
+                <a:solidFill>
+                  <a:schemeClr val="tx1"/>
+                </a:solidFill>
+                <a:latin typeface="+mn-lt"/>
+                <a:ea typeface="+mn-ea"/>
+                <a:cs typeface="+mn-cs"/>
+              </a:defRPr>
+            </a:lvl3pPr>
+            <a:lvl4pPr marL="1600200" indent="-228600" algn="l" defTabSz="914400" rtl="0" eaLnBrk="1" latinLnBrk="0" hangingPunct="1">
+              <a:lnSpc>
+                <a:spcPct val="90000"/>
+              </a:lnSpc>
+              <a:spcBef>
+                <a:spcPts val="500"/>
+              </a:spcBef>
+              <a:buFont typeface="Arial" panose="020B0604020202020204" pitchFamily="34" charset="0"/>
+              <a:buChar char="•"/>
+              <a:defRPr sz="1800" kern="1200">
+                <a:solidFill>
+                  <a:schemeClr val="tx1"/>
+                </a:solidFill>
+                <a:latin typeface="+mn-lt"/>
+                <a:ea typeface="+mn-ea"/>
+                <a:cs typeface="+mn-cs"/>
+              </a:defRPr>
+            </a:lvl4pPr>
+            <a:lvl5pPr marL="2057400" indent="-228600" algn="l" defTabSz="914400" rtl="0" eaLnBrk="1" latinLnBrk="0" hangingPunct="1">
+              <a:lnSpc>
+                <a:spcPct val="90000"/>
+              </a:lnSpc>
+              <a:spcBef>
+                <a:spcPts val="500"/>
+              </a:spcBef>
+              <a:buFont typeface="Arial" panose="020B0604020202020204" pitchFamily="34" charset="0"/>
+              <a:buChar char="•"/>
+              <a:defRPr sz="1800" kern="1200">
+                <a:solidFill>
+                  <a:schemeClr val="tx1"/>
+                </a:solidFill>
+                <a:latin typeface="+mn-lt"/>
+                <a:ea typeface="+mn-ea"/>
+                <a:cs typeface="+mn-cs"/>
+              </a:defRPr>
+            </a:lvl5pPr>
+            <a:lvl6pPr marL="2514600" indent="-228600" algn="l" defTabSz="914400" rtl="0" eaLnBrk="1" latinLnBrk="0" hangingPunct="1">
+              <a:lnSpc>
+                <a:spcPct val="90000"/>
+              </a:lnSpc>
+              <a:spcBef>
+                <a:spcPts val="500"/>
+              </a:spcBef>
+              <a:buFont typeface="Arial" panose="020B0604020202020204" pitchFamily="34" charset="0"/>
+              <a:buChar char="•"/>
+              <a:defRPr sz="1800" kern="1200">
+                <a:solidFill>
+                  <a:schemeClr val="tx1"/>
+                </a:solidFill>
+                <a:latin typeface="+mn-lt"/>
+                <a:ea typeface="+mn-ea"/>
+                <a:cs typeface="+mn-cs"/>
+              </a:defRPr>
+            </a:lvl6pPr>
+            <a:lvl7pPr marL="2971800" indent="-228600" algn="l" defTabSz="914400" rtl="0" eaLnBrk="1" latinLnBrk="0" hangingPunct="1">
+              <a:lnSpc>
+                <a:spcPct val="90000"/>
+              </a:lnSpc>
+              <a:spcBef>
+                <a:spcPts val="500"/>
+              </a:spcBef>
+              <a:buFont typeface="Arial" panose="020B0604020202020204" pitchFamily="34" charset="0"/>
+              <a:buChar char="•"/>
+              <a:defRPr sz="1800" kern="1200">
+                <a:solidFill>
+                  <a:schemeClr val="tx1"/>
+                </a:solidFill>
+                <a:latin typeface="+mn-lt"/>
+                <a:ea typeface="+mn-ea"/>
+                <a:cs typeface="+mn-cs"/>
+              </a:defRPr>
+            </a:lvl7pPr>
+            <a:lvl8pPr marL="3429000" indent="-228600" algn="l" defTabSz="914400" rtl="0" eaLnBrk="1" latinLnBrk="0" hangingPunct="1">
+              <a:lnSpc>
+                <a:spcPct val="90000"/>
+              </a:lnSpc>
+              <a:spcBef>
+                <a:spcPts val="500"/>
+              </a:spcBef>
+              <a:buFont typeface="Arial" panose="020B0604020202020204" pitchFamily="34" charset="0"/>
+              <a:buChar char="•"/>
+              <a:defRPr sz="1800" kern="1200">
+                <a:solidFill>
+                  <a:schemeClr val="tx1"/>
+                </a:solidFill>
+                <a:latin typeface="+mn-lt"/>
+                <a:ea typeface="+mn-ea"/>
+                <a:cs typeface="+mn-cs"/>
+              </a:defRPr>
+            </a:lvl8pPr>
+            <a:lvl9pPr marL="3886200" indent="-228600" algn="l" defTabSz="914400" rtl="0" eaLnBrk="1" latinLnBrk="0" hangingPunct="1">
+              <a:lnSpc>
+                <a:spcPct val="90000"/>
+              </a:lnSpc>
+              <a:spcBef>
+                <a:spcPts val="500"/>
+              </a:spcBef>
+              <a:buFont typeface="Arial" panose="020B0604020202020204" pitchFamily="34" charset="0"/>
+              <a:buChar char="•"/>
+              <a:defRPr sz="1800" kern="1200">
+                <a:solidFill>
+                  <a:schemeClr val="tx1"/>
+                </a:solidFill>
+                <a:latin typeface="+mn-lt"/>
+                <a:ea typeface="+mn-ea"/>
+                <a:cs typeface="+mn-cs"/>
+              </a:defRPr>
+            </a:lvl9pPr>
+          </a:lstStyle>
+          <a:p>
+            <a:pPr marL="0" indent="0">
+              <a:buNone/>
+            </a:pPr>
+            <a:r>
+              <a:rPr lang="en-US" sz="1400" b="1" spc="50" dirty="0"/>
+              <a:t>View instructions video for demo of installation and usage process.</a:t>
+            </a:r>
+          </a:p>
+        </p:txBody>
+      </p:sp>
+    </p:spTree>
+    <p:extLst>
+      <p:ext uri="{BB962C8B-B14F-4D97-AF65-F5344CB8AC3E}">
+        <p14:creationId xmlns:p14="http://schemas.microsoft.com/office/powerpoint/2010/main" val="332104327"/>
       </p:ext>
     </p:extLst>
   </p:cSld>

--- a/Presentation.pptx
+++ b/Presentation.pptx
@@ -14,8 +14,8 @@
     <p:sldId id="256" r:id="rId5"/>
     <p:sldId id="257" r:id="rId6"/>
     <p:sldId id="262" r:id="rId7"/>
-    <p:sldId id="260" r:id="rId8"/>
-    <p:sldId id="261" r:id="rId9"/>
+    <p:sldId id="261" r:id="rId8"/>
+    <p:sldId id="260" r:id="rId9"/>
     <p:sldId id="268" r:id="rId10"/>
     <p:sldId id="259" r:id="rId11"/>
     <p:sldId id="271" r:id="rId12"/>
@@ -14030,7 +14030,12 @@
             <p:ph idx="1"/>
           </p:nvPr>
         </p:nvSpPr>
-        <p:spPr/>
+        <p:spPr>
+          <a:xfrm>
+            <a:off x="1333500" y="2924175"/>
+            <a:ext cx="3886200" cy="2519363"/>
+          </a:xfrm>
+        </p:spPr>
         <p:txBody>
           <a:bodyPr>
             <a:normAutofit/>
@@ -14049,6 +14054,16 @@
               <a:rPr lang="en-US" dirty="0"/>
               <a:t>Devin Burke</a:t>
             </a:r>
+            <a:r>
+              <a:rPr lang="en-US" dirty="0">
+                <a:solidFill>
+                  <a:schemeClr val="bg1">
+                    <a:lumMod val="50000"/>
+                  </a:schemeClr>
+                </a:solidFill>
+              </a:rPr>
+              <a:t> | devinb3@illinois.edu</a:t>
+            </a:r>
           </a:p>
           <a:p>
             <a:pPr>
@@ -14061,7 +14076,17 @@
             </a:pPr>
             <a:r>
               <a:rPr lang="en-US" dirty="0"/>
-              <a:t>Joshua Ray</a:t>
+              <a:t>Joshua Ray </a:t>
+            </a:r>
+            <a:r>
+              <a:rPr lang="en-US" dirty="0">
+                <a:solidFill>
+                  <a:schemeClr val="bg1">
+                    <a:lumMod val="50000"/>
+                  </a:schemeClr>
+                </a:solidFill>
+              </a:rPr>
+              <a:t>| ray18@illinois.edu</a:t>
             </a:r>
           </a:p>
         </p:txBody>
@@ -16278,25 +16303,13 @@
           <a:p>
             <a:r>
               <a:rPr lang="en-US" dirty="0"/>
-              <a:t>Topic Introduction</a:t>
-            </a:r>
-          </a:p>
-          <a:p>
-            <a:r>
-              <a:rPr lang="en-US" dirty="0"/>
-              <a:t>Primary goals</a:t>
+              <a:t>Introduction &amp; Goals</a:t>
             </a:r>
           </a:p>
           <a:p>
             <a:r>
               <a:rPr lang="en-US" dirty="0"/>
               <a:t>Algorithms &amp; Techniques</a:t>
-            </a:r>
-          </a:p>
-          <a:p>
-            <a:r>
-              <a:rPr lang="en-US" dirty="0"/>
-              <a:t>Implementation</a:t>
             </a:r>
           </a:p>
           <a:p>
@@ -16908,8 +16921,8 @@
         </p:nvSpPr>
         <p:spPr>
           <a:xfrm>
-            <a:off x="6991350" y="3428999"/>
-            <a:ext cx="4695825" cy="4051201"/>
+            <a:off x="6991351" y="3428999"/>
+            <a:ext cx="4362450" cy="4051201"/>
           </a:xfrm>
           <a:prstGeom prst="rect">
             <a:avLst/>
@@ -17090,7 +17103,7 @@
             </a:r>
           </a:p>
           <a:p>
-            <a:endParaRPr lang="en-US" dirty="0"/>
+            <a:endParaRPr lang="en-US" sz="100" dirty="0"/>
           </a:p>
           <a:p>
             <a:r>
@@ -17135,7 +17148,7 @@
           <p:cNvPr id="2" name="Title 1">
             <a:extLst>
               <a:ext uri="{FF2B5EF4-FFF2-40B4-BE49-F238E27FC236}">
-                <a16:creationId xmlns:a16="http://schemas.microsoft.com/office/drawing/2014/main" id="{09140014-73D5-419B-8867-972BB18D52D4}"/>
+                <a16:creationId xmlns:a16="http://schemas.microsoft.com/office/drawing/2014/main" id="{C4CA0637-CCAA-425E-A57A-6205AFDC8B8C}"/>
               </a:ext>
             </a:extLst>
           </p:cNvPr>
@@ -17148,8 +17161,8 @@
         </p:nvSpPr>
         <p:spPr>
           <a:xfrm>
-            <a:off x="2615648" y="1325742"/>
-            <a:ext cx="8726488" cy="1325563"/>
+            <a:off x="1885156" y="136525"/>
+            <a:ext cx="8421688" cy="981007"/>
           </a:xfrm>
         </p:spPr>
         <p:txBody>
@@ -17158,7 +17171,7 @@
           <a:p>
             <a:r>
               <a:rPr lang="en-US" dirty="0"/>
-              <a:t>Algorithms &amp; techniques</a:t>
+              <a:t>Browser extension</a:t>
             </a:r>
           </a:p>
         </p:txBody>
@@ -17168,7 +17181,7 @@
           <p:cNvPr id="4" name="Content Placeholder 3">
             <a:extLst>
               <a:ext uri="{FF2B5EF4-FFF2-40B4-BE49-F238E27FC236}">
-                <a16:creationId xmlns:a16="http://schemas.microsoft.com/office/drawing/2014/main" id="{33D8731E-4977-402E-8BFD-895B4D0544CC}"/>
+                <a16:creationId xmlns:a16="http://schemas.microsoft.com/office/drawing/2014/main" id="{A1D16151-9486-4A03-AE3A-F1CC562E0564}"/>
               </a:ext>
             </a:extLst>
           </p:cNvPr>
@@ -17181,8 +17194,8 @@
         </p:nvSpPr>
         <p:spPr>
           <a:xfrm>
-            <a:off x="2615648" y="2800350"/>
-            <a:ext cx="3924300" cy="3032123"/>
+            <a:off x="6281528" y="1312963"/>
+            <a:ext cx="5072272" cy="1048337"/>
           </a:xfrm>
         </p:spPr>
         <p:txBody>
@@ -17193,100 +17206,17 @@
           <a:p>
             <a:r>
               <a:rPr lang="en-US" dirty="0"/>
-              <a:t>Document / content filtering</a:t>
-            </a:r>
-          </a:p>
-          <a:p>
-            <a:r>
-              <a:rPr lang="en-US" dirty="0"/>
-              <a:t>Bag-of-words representation</a:t>
-            </a:r>
-          </a:p>
-          <a:p>
-            <a:r>
-              <a:rPr lang="en-US" dirty="0"/>
-              <a:t>Inverse document frequency (Stop words)​</a:t>
-            </a:r>
-          </a:p>
-          <a:p>
-            <a:r>
-              <a:rPr lang="en-US" dirty="0"/>
-              <a:t>Dot-matrix</a:t>
-            </a:r>
-          </a:p>
-          <a:p>
-            <a:r>
-              <a:rPr lang="en-US" dirty="0"/>
-              <a:t>Cosine similarity</a:t>
-            </a:r>
-          </a:p>
-        </p:txBody>
-      </p:sp>
-      <p:sp>
-        <p:nvSpPr>
-          <p:cNvPr id="6" name="Content Placeholder 5">
-            <a:extLst>
-              <a:ext uri="{FF2B5EF4-FFF2-40B4-BE49-F238E27FC236}">
-                <a16:creationId xmlns:a16="http://schemas.microsoft.com/office/drawing/2014/main" id="{50B65871-FA95-449A-B8BC-90486DE532EF}"/>
-              </a:ext>
-            </a:extLst>
-          </p:cNvPr>
-          <p:cNvSpPr>
-            <a:spLocks noGrp="1"/>
-          </p:cNvSpPr>
-          <p:nvPr>
-            <p:ph sz="quarter" idx="4"/>
-          </p:nvPr>
-        </p:nvSpPr>
-        <p:spPr>
-          <a:xfrm>
-            <a:off x="7460974" y="2800351"/>
-            <a:ext cx="3535020" cy="3336996"/>
-          </a:xfrm>
-        </p:spPr>
-        <p:txBody>
-          <a:bodyPr>
-            <a:normAutofit/>
-          </a:bodyPr>
-          <a:lstStyle/>
-          <a:p>
-            <a:r>
-              <a:rPr lang="en-US" dirty="0"/>
-              <a:t>Sentence length normalization</a:t>
-            </a:r>
-          </a:p>
-          <a:p>
-            <a:r>
-              <a:rPr lang="en-US" dirty="0"/>
-              <a:t>Sentence ranking / scoring </a:t>
-            </a:r>
-          </a:p>
-          <a:p>
-            <a:r>
-              <a:rPr lang="en-US" dirty="0"/>
-              <a:t>Topic extraction</a:t>
-            </a:r>
-          </a:p>
-          <a:p>
-            <a:r>
-              <a:rPr lang="en-US" dirty="0"/>
-              <a:t>Calculation of reading time savings</a:t>
-            </a:r>
-          </a:p>
-          <a:p>
-            <a:r>
-              <a:rPr lang="en-US" dirty="0"/>
-              <a:t>Precision at K to measure success</a:t>
-            </a:r>
-          </a:p>
-        </p:txBody>
-      </p:sp>
-      <p:sp>
-        <p:nvSpPr>
-          <p:cNvPr id="9" name="Slide Number Placeholder 8">
-            <a:extLst>
-              <a:ext uri="{FF2B5EF4-FFF2-40B4-BE49-F238E27FC236}">
-                <a16:creationId xmlns:a16="http://schemas.microsoft.com/office/drawing/2014/main" id="{C396FFDC-ADE8-4009-A466-A81787258E88}"/>
+              <a:t>Written entirely in JavaScript with no external libraries, the extension is very fast due to being 100% client-side. Irrelevant text such as navigation, ads, comments, captions, etc. are ignored.</a:t>
+            </a:r>
+          </a:p>
+        </p:txBody>
+      </p:sp>
+      <p:sp>
+        <p:nvSpPr>
+          <p:cNvPr id="11" name="Slide Number Placeholder 10">
+            <a:extLst>
+              <a:ext uri="{FF2B5EF4-FFF2-40B4-BE49-F238E27FC236}">
+                <a16:creationId xmlns:a16="http://schemas.microsoft.com/office/drawing/2014/main" id="{7AE81C1E-A7C3-40CD-9C11-0C03A2221292}"/>
               </a:ext>
             </a:extLst>
           </p:cNvPr>
@@ -17316,10 +17246,142 @@
           </a:p>
         </p:txBody>
       </p:sp>
+      <p:pic>
+        <p:nvPicPr>
+          <p:cNvPr id="23" name="Picture 22">
+            <a:extLst>
+              <a:ext uri="{FF2B5EF4-FFF2-40B4-BE49-F238E27FC236}">
+                <a16:creationId xmlns:a16="http://schemas.microsoft.com/office/drawing/2014/main" id="{1E694067-961D-4A4C-9B26-271BC0F440FC}"/>
+              </a:ext>
+            </a:extLst>
+          </p:cNvPr>
+          <p:cNvPicPr>
+            <a:picLocks noChangeAspect="1"/>
+          </p:cNvPicPr>
+          <p:nvPr/>
+        </p:nvPicPr>
+        <p:blipFill>
+          <a:blip r:embed="rId2"/>
+          <a:srcRect/>
+          <a:stretch/>
+        </p:blipFill>
+        <p:spPr>
+          <a:xfrm>
+            <a:off x="2897433" y="2576700"/>
+            <a:ext cx="7941838" cy="3779650"/>
+          </a:xfrm>
+          <a:prstGeom prst="rect">
+            <a:avLst/>
+          </a:prstGeom>
+          <a:ln>
+            <a:noFill/>
+          </a:ln>
+          <a:effectLst>
+            <a:outerShdw blurRad="292100" dist="139700" dir="2700000" algn="tl" rotWithShape="0">
+              <a:srgbClr val="333333">
+                <a:alpha val="65000"/>
+              </a:srgbClr>
+            </a:outerShdw>
+          </a:effectLst>
+        </p:spPr>
+      </p:pic>
+      <p:pic>
+        <p:nvPicPr>
+          <p:cNvPr id="25" name="Picture 24">
+            <a:extLst>
+              <a:ext uri="{FF2B5EF4-FFF2-40B4-BE49-F238E27FC236}">
+                <a16:creationId xmlns:a16="http://schemas.microsoft.com/office/drawing/2014/main" id="{9EF5BD84-8E8F-4E58-A3AC-D4FF46E26689}"/>
+              </a:ext>
+            </a:extLst>
+          </p:cNvPr>
+          <p:cNvPicPr>
+            <a:picLocks noChangeAspect="1"/>
+          </p:cNvPicPr>
+          <p:nvPr/>
+        </p:nvPicPr>
+        <p:blipFill rotWithShape="1">
+          <a:blip r:embed="rId3"/>
+          <a:srcRect l="2072" r="2072"/>
+          <a:stretch/>
+        </p:blipFill>
+        <p:spPr>
+          <a:xfrm>
+            <a:off x="583096" y="1072452"/>
+            <a:ext cx="5287647" cy="3901729"/>
+          </a:xfrm>
+          <a:prstGeom prst="rect">
+            <a:avLst/>
+          </a:prstGeom>
+          <a:ln>
+            <a:noFill/>
+          </a:ln>
+          <a:effectLst>
+            <a:outerShdw blurRad="292100" dist="139700" dir="2700000" algn="tl" rotWithShape="0">
+              <a:srgbClr val="333333">
+                <a:alpha val="65000"/>
+              </a:srgbClr>
+            </a:outerShdw>
+          </a:effectLst>
+        </p:spPr>
+      </p:pic>
+      <p:sp>
+        <p:nvSpPr>
+          <p:cNvPr id="26" name="Arrow: Bent-Up 25">
+            <a:extLst>
+              <a:ext uri="{FF2B5EF4-FFF2-40B4-BE49-F238E27FC236}">
+                <a16:creationId xmlns:a16="http://schemas.microsoft.com/office/drawing/2014/main" id="{96573BCC-3C3C-4FEB-B71C-56F8B816EB79}"/>
+              </a:ext>
+            </a:extLst>
+          </p:cNvPr>
+          <p:cNvSpPr/>
+          <p:nvPr/>
+        </p:nvSpPr>
+        <p:spPr>
+          <a:xfrm rot="10800000" flipV="1">
+            <a:off x="1505775" y="5188187"/>
+            <a:ext cx="1073427" cy="954157"/>
+          </a:xfrm>
+          <a:prstGeom prst="bentUpArrow">
+            <a:avLst/>
+          </a:prstGeom>
+          <a:solidFill>
+            <a:schemeClr val="bg1">
+              <a:lumMod val="65000"/>
+            </a:schemeClr>
+          </a:solidFill>
+          <a:ln>
+            <a:noFill/>
+          </a:ln>
+        </p:spPr>
+        <p:style>
+          <a:lnRef idx="2">
+            <a:schemeClr val="accent1">
+              <a:shade val="50000"/>
+            </a:schemeClr>
+          </a:lnRef>
+          <a:fillRef idx="1">
+            <a:schemeClr val="accent1"/>
+          </a:fillRef>
+          <a:effectRef idx="0">
+            <a:schemeClr val="accent1"/>
+          </a:effectRef>
+          <a:fontRef idx="minor">
+            <a:schemeClr val="lt1"/>
+          </a:fontRef>
+        </p:style>
+        <p:txBody>
+          <a:bodyPr rtlCol="0" anchor="ctr"/>
+          <a:lstStyle/>
+          <a:p>
+            <a:pPr algn="ctr"/>
+            <a:endParaRPr lang="en-US"/>
+          </a:p>
+        </p:txBody>
+      </p:sp>
     </p:spTree>
     <p:extLst>
       <p:ext uri="{BB962C8B-B14F-4D97-AF65-F5344CB8AC3E}">
-        <p14:creationId xmlns:p14="http://schemas.microsoft.com/office/powerpoint/2010/main" val="1663780162"/>
+        <p14:creationId xmlns:p14="http://schemas.microsoft.com/office/powerpoint/2010/main" val="1429429409"/>
       </p:ext>
     </p:extLst>
   </p:cSld>
@@ -17351,7 +17413,7 @@
           <p:cNvPr id="2" name="Title 1">
             <a:extLst>
               <a:ext uri="{FF2B5EF4-FFF2-40B4-BE49-F238E27FC236}">
-                <a16:creationId xmlns:a16="http://schemas.microsoft.com/office/drawing/2014/main" id="{C4CA0637-CCAA-425E-A57A-6205AFDC8B8C}"/>
+                <a16:creationId xmlns:a16="http://schemas.microsoft.com/office/drawing/2014/main" id="{09140014-73D5-419B-8867-972BB18D52D4}"/>
               </a:ext>
             </a:extLst>
           </p:cNvPr>
@@ -17364,8 +17426,8 @@
         </p:nvSpPr>
         <p:spPr>
           <a:xfrm>
-            <a:off x="1885156" y="136525"/>
-            <a:ext cx="8421688" cy="981007"/>
+            <a:off x="2615648" y="1325742"/>
+            <a:ext cx="8726488" cy="1325563"/>
           </a:xfrm>
         </p:spPr>
         <p:txBody>
@@ -17374,7 +17436,7 @@
           <a:p>
             <a:r>
               <a:rPr lang="en-US" dirty="0"/>
-              <a:t>implementation</a:t>
+              <a:t>Algorithms &amp; techniques</a:t>
             </a:r>
           </a:p>
         </p:txBody>
@@ -17384,7 +17446,7 @@
           <p:cNvPr id="4" name="Content Placeholder 3">
             <a:extLst>
               <a:ext uri="{FF2B5EF4-FFF2-40B4-BE49-F238E27FC236}">
-                <a16:creationId xmlns:a16="http://schemas.microsoft.com/office/drawing/2014/main" id="{A1D16151-9486-4A03-AE3A-F1CC562E0564}"/>
+                <a16:creationId xmlns:a16="http://schemas.microsoft.com/office/drawing/2014/main" id="{33D8731E-4977-402E-8BFD-895B4D0544CC}"/>
               </a:ext>
             </a:extLst>
           </p:cNvPr>
@@ -17397,8 +17459,8 @@
         </p:nvSpPr>
         <p:spPr>
           <a:xfrm>
-            <a:off x="6281528" y="1312963"/>
-            <a:ext cx="5072272" cy="1048337"/>
+            <a:off x="2615648" y="2800350"/>
+            <a:ext cx="3924300" cy="3032123"/>
           </a:xfrm>
         </p:spPr>
         <p:txBody>
@@ -17409,17 +17471,100 @@
           <a:p>
             <a:r>
               <a:rPr lang="en-US" dirty="0"/>
-              <a:t>Our solution involved development of a Google Chrome extension using JavaScript and auxiliary web languages/technologies such as CSS3 and HTML5.</a:t>
-            </a:r>
-          </a:p>
-        </p:txBody>
-      </p:sp>
-      <p:sp>
-        <p:nvSpPr>
-          <p:cNvPr id="11" name="Slide Number Placeholder 10">
-            <a:extLst>
-              <a:ext uri="{FF2B5EF4-FFF2-40B4-BE49-F238E27FC236}">
-                <a16:creationId xmlns:a16="http://schemas.microsoft.com/office/drawing/2014/main" id="{7AE81C1E-A7C3-40CD-9C11-0C03A2221292}"/>
+              <a:t>Document / content filtering</a:t>
+            </a:r>
+          </a:p>
+          <a:p>
+            <a:r>
+              <a:rPr lang="en-US" dirty="0"/>
+              <a:t>Bag-of-words representation</a:t>
+            </a:r>
+          </a:p>
+          <a:p>
+            <a:r>
+              <a:rPr lang="en-US" dirty="0"/>
+              <a:t>Inverse document frequency (Stop words)​</a:t>
+            </a:r>
+          </a:p>
+          <a:p>
+            <a:r>
+              <a:rPr lang="en-US" dirty="0"/>
+              <a:t>Dot-matrix</a:t>
+            </a:r>
+          </a:p>
+          <a:p>
+            <a:r>
+              <a:rPr lang="en-US" dirty="0"/>
+              <a:t>Cosine similarity</a:t>
+            </a:r>
+          </a:p>
+        </p:txBody>
+      </p:sp>
+      <p:sp>
+        <p:nvSpPr>
+          <p:cNvPr id="6" name="Content Placeholder 5">
+            <a:extLst>
+              <a:ext uri="{FF2B5EF4-FFF2-40B4-BE49-F238E27FC236}">
+                <a16:creationId xmlns:a16="http://schemas.microsoft.com/office/drawing/2014/main" id="{50B65871-FA95-449A-B8BC-90486DE532EF}"/>
+              </a:ext>
+            </a:extLst>
+          </p:cNvPr>
+          <p:cNvSpPr>
+            <a:spLocks noGrp="1"/>
+          </p:cNvSpPr>
+          <p:nvPr>
+            <p:ph sz="quarter" idx="4"/>
+          </p:nvPr>
+        </p:nvSpPr>
+        <p:spPr>
+          <a:xfrm>
+            <a:off x="7460974" y="2800351"/>
+            <a:ext cx="3535020" cy="3336996"/>
+          </a:xfrm>
+        </p:spPr>
+        <p:txBody>
+          <a:bodyPr>
+            <a:normAutofit/>
+          </a:bodyPr>
+          <a:lstStyle/>
+          <a:p>
+            <a:r>
+              <a:rPr lang="en-US" dirty="0"/>
+              <a:t>Sentence length normalization</a:t>
+            </a:r>
+          </a:p>
+          <a:p>
+            <a:r>
+              <a:rPr lang="en-US" dirty="0"/>
+              <a:t>Sentence ranking / scoring </a:t>
+            </a:r>
+          </a:p>
+          <a:p>
+            <a:r>
+              <a:rPr lang="en-US" dirty="0"/>
+              <a:t>Topic extraction</a:t>
+            </a:r>
+          </a:p>
+          <a:p>
+            <a:r>
+              <a:rPr lang="en-US" dirty="0"/>
+              <a:t>Calculation of reading time savings</a:t>
+            </a:r>
+          </a:p>
+          <a:p>
+            <a:r>
+              <a:rPr lang="en-US" dirty="0"/>
+              <a:t>Precision at K to measure success</a:t>
+            </a:r>
+          </a:p>
+        </p:txBody>
+      </p:sp>
+      <p:sp>
+        <p:nvSpPr>
+          <p:cNvPr id="9" name="Slide Number Placeholder 8">
+            <a:extLst>
+              <a:ext uri="{FF2B5EF4-FFF2-40B4-BE49-F238E27FC236}">
+                <a16:creationId xmlns:a16="http://schemas.microsoft.com/office/drawing/2014/main" id="{C396FFDC-ADE8-4009-A466-A81787258E88}"/>
               </a:ext>
             </a:extLst>
           </p:cNvPr>
@@ -17449,142 +17594,10 @@
           </a:p>
         </p:txBody>
       </p:sp>
-      <p:pic>
-        <p:nvPicPr>
-          <p:cNvPr id="23" name="Picture 22">
-            <a:extLst>
-              <a:ext uri="{FF2B5EF4-FFF2-40B4-BE49-F238E27FC236}">
-                <a16:creationId xmlns:a16="http://schemas.microsoft.com/office/drawing/2014/main" id="{1E694067-961D-4A4C-9B26-271BC0F440FC}"/>
-              </a:ext>
-            </a:extLst>
-          </p:cNvPr>
-          <p:cNvPicPr>
-            <a:picLocks noChangeAspect="1"/>
-          </p:cNvPicPr>
-          <p:nvPr/>
-        </p:nvPicPr>
-        <p:blipFill>
-          <a:blip r:embed="rId2"/>
-          <a:srcRect/>
-          <a:stretch/>
-        </p:blipFill>
-        <p:spPr>
-          <a:xfrm>
-            <a:off x="2897433" y="2576700"/>
-            <a:ext cx="7941838" cy="3779650"/>
-          </a:xfrm>
-          <a:prstGeom prst="rect">
-            <a:avLst/>
-          </a:prstGeom>
-          <a:ln>
-            <a:noFill/>
-          </a:ln>
-          <a:effectLst>
-            <a:outerShdw blurRad="292100" dist="139700" dir="2700000" algn="tl" rotWithShape="0">
-              <a:srgbClr val="333333">
-                <a:alpha val="65000"/>
-              </a:srgbClr>
-            </a:outerShdw>
-          </a:effectLst>
-        </p:spPr>
-      </p:pic>
-      <p:pic>
-        <p:nvPicPr>
-          <p:cNvPr id="25" name="Picture 24">
-            <a:extLst>
-              <a:ext uri="{FF2B5EF4-FFF2-40B4-BE49-F238E27FC236}">
-                <a16:creationId xmlns:a16="http://schemas.microsoft.com/office/drawing/2014/main" id="{9EF5BD84-8E8F-4E58-A3AC-D4FF46E26689}"/>
-              </a:ext>
-            </a:extLst>
-          </p:cNvPr>
-          <p:cNvPicPr>
-            <a:picLocks noChangeAspect="1"/>
-          </p:cNvPicPr>
-          <p:nvPr/>
-        </p:nvPicPr>
-        <p:blipFill rotWithShape="1">
-          <a:blip r:embed="rId3"/>
-          <a:srcRect l="2072" r="2072"/>
-          <a:stretch/>
-        </p:blipFill>
-        <p:spPr>
-          <a:xfrm>
-            <a:off x="583096" y="1072452"/>
-            <a:ext cx="5287647" cy="3901729"/>
-          </a:xfrm>
-          <a:prstGeom prst="rect">
-            <a:avLst/>
-          </a:prstGeom>
-          <a:ln>
-            <a:noFill/>
-          </a:ln>
-          <a:effectLst>
-            <a:outerShdw blurRad="292100" dist="139700" dir="2700000" algn="tl" rotWithShape="0">
-              <a:srgbClr val="333333">
-                <a:alpha val="65000"/>
-              </a:srgbClr>
-            </a:outerShdw>
-          </a:effectLst>
-        </p:spPr>
-      </p:pic>
-      <p:sp>
-        <p:nvSpPr>
-          <p:cNvPr id="26" name="Arrow: Bent-Up 25">
-            <a:extLst>
-              <a:ext uri="{FF2B5EF4-FFF2-40B4-BE49-F238E27FC236}">
-                <a16:creationId xmlns:a16="http://schemas.microsoft.com/office/drawing/2014/main" id="{96573BCC-3C3C-4FEB-B71C-56F8B816EB79}"/>
-              </a:ext>
-            </a:extLst>
-          </p:cNvPr>
-          <p:cNvSpPr/>
-          <p:nvPr/>
-        </p:nvSpPr>
-        <p:spPr>
-          <a:xfrm rot="10800000" flipV="1">
-            <a:off x="1505775" y="5188187"/>
-            <a:ext cx="1073427" cy="954157"/>
-          </a:xfrm>
-          <a:prstGeom prst="bentUpArrow">
-            <a:avLst/>
-          </a:prstGeom>
-          <a:solidFill>
-            <a:schemeClr val="bg1">
-              <a:lumMod val="65000"/>
-            </a:schemeClr>
-          </a:solidFill>
-          <a:ln>
-            <a:noFill/>
-          </a:ln>
-        </p:spPr>
-        <p:style>
-          <a:lnRef idx="2">
-            <a:schemeClr val="accent1">
-              <a:shade val="50000"/>
-            </a:schemeClr>
-          </a:lnRef>
-          <a:fillRef idx="1">
-            <a:schemeClr val="accent1"/>
-          </a:fillRef>
-          <a:effectRef idx="0">
-            <a:schemeClr val="accent1"/>
-          </a:effectRef>
-          <a:fontRef idx="minor">
-            <a:schemeClr val="lt1"/>
-          </a:fontRef>
-        </p:style>
-        <p:txBody>
-          <a:bodyPr rtlCol="0" anchor="ctr"/>
-          <a:lstStyle/>
-          <a:p>
-            <a:pPr algn="ctr"/>
-            <a:endParaRPr lang="en-US"/>
-          </a:p>
-        </p:txBody>
-      </p:sp>
     </p:spTree>
     <p:extLst>
       <p:ext uri="{BB962C8B-B14F-4D97-AF65-F5344CB8AC3E}">
-        <p14:creationId xmlns:p14="http://schemas.microsoft.com/office/powerpoint/2010/main" val="1429429409"/>
+        <p14:creationId xmlns:p14="http://schemas.microsoft.com/office/powerpoint/2010/main" val="1663780162"/>
       </p:ext>
     </p:extLst>
   </p:cSld>
@@ -17907,7 +17920,15 @@
             </a:pPr>
             <a:r>
               <a:rPr lang="en-US" sz="1400" spc="50" dirty="0"/>
-              <a:t>A testing methodology was utilized which tested a pre-defined list of documents with known relevance-judgements. Like a Cranfield implementation, the tests measured system determined summarization sentences against existing relevance judgements to determine success thresholds. Precision at K of these results is also calculated, as shown below.</a:t>
+              <a:t>We used a Cranfield-like pre-defined list of documents with known relevance judgements to test system accuracy. Below are the </a:t>
+            </a:r>
+            <a:r>
+              <a:rPr lang="en-US" sz="1400" spc="50" dirty="0" err="1"/>
+              <a:t>precision@K</a:t>
+            </a:r>
+            <a:r>
+              <a:rPr lang="en-US" sz="1400" spc="50" dirty="0"/>
+              <a:t> results of five random Wikipedia articles.</a:t>
             </a:r>
           </a:p>
         </p:txBody>

--- a/Presentation.pptx
+++ b/Presentation.pptx
@@ -17194,7 +17194,7 @@
         </p:nvSpPr>
         <p:spPr>
           <a:xfrm>
-            <a:off x="6281528" y="1312963"/>
+            <a:off x="937577" y="1153511"/>
             <a:ext cx="5072272" cy="1048337"/>
           </a:xfrm>
         </p:spPr>
@@ -17267,7 +17267,7 @@
         </p:blipFill>
         <p:spPr>
           <a:xfrm>
-            <a:off x="2897433" y="2576700"/>
+            <a:off x="954511" y="2464445"/>
             <a:ext cx="7941838" cy="3779650"/>
           </a:xfrm>
           <a:prstGeom prst="rect">
@@ -17306,7 +17306,7 @@
         </p:blipFill>
         <p:spPr>
           <a:xfrm>
-            <a:off x="583096" y="1072452"/>
+            <a:off x="5966776" y="1051443"/>
             <a:ext cx="5287647" cy="3901729"/>
           </a:xfrm>
           <a:prstGeom prst="rect">
@@ -17337,12 +17337,16 @@
           <p:nvPr/>
         </p:nvSpPr>
         <p:spPr>
-          <a:xfrm rot="10800000" flipV="1">
-            <a:off x="1505775" y="5188187"/>
-            <a:ext cx="1073427" cy="954157"/>
+          <a:xfrm rot="10800000" flipH="1" flipV="1">
+            <a:off x="8717489" y="5102504"/>
+            <a:ext cx="1010711" cy="954157"/>
           </a:xfrm>
           <a:prstGeom prst="bentUpArrow">
-            <a:avLst/>
+            <a:avLst>
+              <a:gd name="adj1" fmla="val 16348"/>
+              <a:gd name="adj2" fmla="val 25000"/>
+              <a:gd name="adj3" fmla="val 25000"/>
+            </a:avLst>
           </a:prstGeom>
           <a:solidFill>
             <a:schemeClr val="bg1">
